--- a/documents_presentations/advocating_technology_at_junior_high_Hebrew.pptx
+++ b/documents_presentations/advocating_technology_at_junior_high_Hebrew.pptx
@@ -137,7 +137,7 @@
               <a:rPr b="0" lang="en-US" sz="1400" spc="-1" strike="noStrike">
                 <a:latin typeface="Times New Roman"/>
               </a:rPr>
-              <a:t>&lt;header&gt;</a:t>
+              <a:t> </a:t>
             </a:r>
             <a:endParaRPr b="0" lang="en-US" sz="1400" spc="-1" strike="noStrike">
               <a:latin typeface="Times New Roman"/>
@@ -172,7 +172,7 @@
               <a:rPr b="0" lang="en-US" sz="1400" spc="-1" strike="noStrike">
                 <a:latin typeface="Times New Roman"/>
               </a:rPr>
-              <a:t>&lt;date/time&gt;</a:t>
+              <a:t> </a:t>
             </a:r>
             <a:endParaRPr b="0" lang="en-US" sz="1400" spc="-1" strike="noStrike">
               <a:latin typeface="Times New Roman"/>
@@ -206,7 +206,7 @@
               <a:rPr b="0" lang="en-US" sz="1400" spc="-1" strike="noStrike">
                 <a:latin typeface="Times New Roman"/>
               </a:rPr>
-              <a:t>&lt;footer&gt;</a:t>
+              <a:t> </a:t>
             </a:r>
             <a:endParaRPr b="0" lang="en-US" sz="1400" spc="-1" strike="noStrike">
               <a:latin typeface="Times New Roman"/>
@@ -237,7 +237,7 @@
           <a:bodyPr lIns="0" rIns="0" tIns="0" bIns="0" anchor="b"/>
           <a:p>
             <a:pPr algn="r"/>
-            <a:fld id="{7BC2C2F6-0B2F-4989-8087-9609D4E2E521}" type="slidenum">
+            <a:fld id="{7B1DAA91-3A44-42CF-867E-0A86BA57AC56}" type="slidenum">
               <a:rPr b="0" lang="en-US" sz="1400" spc="-1" strike="noStrike">
                 <a:latin typeface="Times New Roman"/>
               </a:rPr>
@@ -285,7 +285,7 @@
         <p:spPr>
           <a:xfrm>
             <a:off x="1372320" y="800640"/>
-            <a:ext cx="5028120" cy="3771000"/>
+            <a:ext cx="5027760" cy="3770640"/>
           </a:xfrm>
           <a:prstGeom prst="rect">
             <a:avLst/>
@@ -305,7 +305,7 @@
         <p:spPr>
           <a:xfrm>
             <a:off x="777240" y="4777560"/>
-            <a:ext cx="6217200" cy="4435560"/>
+            <a:ext cx="6216840" cy="4435200"/>
           </a:xfrm>
           <a:prstGeom prst="rect">
             <a:avLst/>
@@ -314,7 +314,7 @@
         <p:txBody>
           <a:bodyPr lIns="0" rIns="0" tIns="0" bIns="0"/>
           <a:p>
-            <a:pPr marL="216000" indent="-216000">
+            <a:pPr marL="216000" indent="-215640">
               <a:lnSpc>
                 <a:spcPct val="100000"/>
               </a:lnSpc>
@@ -330,7 +330,7 @@
             </a:endParaRPr>
           </a:p>
           <a:p>
-            <a:pPr marL="216000" indent="-216000">
+            <a:pPr marL="216000" indent="-215640">
               <a:lnSpc>
                 <a:spcPct val="100000"/>
               </a:lnSpc>
@@ -352,7 +352,7 @@
             </a:endParaRPr>
           </a:p>
           <a:p>
-            <a:pPr marL="216000" indent="-216000">
+            <a:pPr marL="216000" indent="-215640">
               <a:lnSpc>
                 <a:spcPct val="100000"/>
               </a:lnSpc>
@@ -374,7 +374,7 @@
             </a:endParaRPr>
           </a:p>
           <a:p>
-            <a:pPr marL="216000" indent="-216000">
+            <a:pPr marL="216000" indent="-215640">
               <a:lnSpc>
                 <a:spcPct val="100000"/>
               </a:lnSpc>
@@ -396,7 +396,7 @@
             </a:endParaRPr>
           </a:p>
           <a:p>
-            <a:pPr marL="216000" indent="-216000">
+            <a:pPr marL="216000" indent="-215640">
               <a:lnSpc>
                 <a:spcPct val="100000"/>
               </a:lnSpc>
@@ -418,7 +418,7 @@
             </a:endParaRPr>
           </a:p>
           <a:p>
-            <a:pPr marL="216000" indent="-216000">
+            <a:pPr marL="216000" indent="-215640">
               <a:lnSpc>
                 <a:spcPct val="100000"/>
               </a:lnSpc>
@@ -440,7 +440,7 @@
             </a:endParaRPr>
           </a:p>
           <a:p>
-            <a:pPr marL="216000" indent="-216000">
+            <a:pPr marL="216000" indent="-215640">
               <a:lnSpc>
                 <a:spcPct val="100000"/>
               </a:lnSpc>
@@ -462,7 +462,7 @@
             </a:endParaRPr>
           </a:p>
           <a:p>
-            <a:pPr marL="216000" indent="-216000">
+            <a:pPr marL="216000" indent="-215640">
               <a:lnSpc>
                 <a:spcPct val="100000"/>
               </a:lnSpc>
@@ -484,7 +484,7 @@
             </a:endParaRPr>
           </a:p>
           <a:p>
-            <a:pPr marL="216000" indent="-216000">
+            <a:pPr marL="216000" indent="-215640">
               <a:lnSpc>
                 <a:spcPct val="100000"/>
               </a:lnSpc>
@@ -563,8 +563,8 @@
         </p:nvSpPr>
         <p:spPr>
           <a:xfrm>
-            <a:off x="504000" y="805320"/>
-            <a:ext cx="9071280" cy="1261800"/>
+            <a:off x="504000" y="301320"/>
+            <a:ext cx="9072000" cy="1261800"/>
           </a:xfrm>
           <a:prstGeom prst="rect">
             <a:avLst/>
@@ -592,8 +592,8 @@
         </p:nvSpPr>
         <p:spPr>
           <a:xfrm>
-            <a:off x="504000" y="2273040"/>
-            <a:ext cx="9071280" cy="1773000"/>
+            <a:off x="504000" y="1768680"/>
+            <a:ext cx="9072000" cy="2090880"/>
           </a:xfrm>
           <a:prstGeom prst="rect">
             <a:avLst/>
@@ -622,8 +622,8 @@
         </p:nvSpPr>
         <p:spPr>
           <a:xfrm>
-            <a:off x="504000" y="4214880"/>
-            <a:ext cx="9071280" cy="1773000"/>
+            <a:off x="504000" y="4058640"/>
+            <a:ext cx="9072000" cy="2090880"/>
           </a:xfrm>
           <a:prstGeom prst="rect">
             <a:avLst/>
@@ -674,8 +674,8 @@
         </p:nvSpPr>
         <p:spPr>
           <a:xfrm>
-            <a:off x="504000" y="805320"/>
-            <a:ext cx="9071280" cy="1261800"/>
+            <a:off x="504000" y="301320"/>
+            <a:ext cx="9072000" cy="1261800"/>
           </a:xfrm>
           <a:prstGeom prst="rect">
             <a:avLst/>
@@ -703,8 +703,8 @@
         </p:nvSpPr>
         <p:spPr>
           <a:xfrm>
-            <a:off x="504000" y="2273040"/>
-            <a:ext cx="4426560" cy="1773000"/>
+            <a:off x="504000" y="1768680"/>
+            <a:ext cx="4426920" cy="2090880"/>
           </a:xfrm>
           <a:prstGeom prst="rect">
             <a:avLst/>
@@ -733,8 +733,8 @@
         </p:nvSpPr>
         <p:spPr>
           <a:xfrm>
-            <a:off x="5152320" y="2273040"/>
-            <a:ext cx="4426560" cy="1773000"/>
+            <a:off x="5152680" y="1768680"/>
+            <a:ext cx="4426920" cy="2090880"/>
           </a:xfrm>
           <a:prstGeom prst="rect">
             <a:avLst/>
@@ -763,8 +763,8 @@
         </p:nvSpPr>
         <p:spPr>
           <a:xfrm>
-            <a:off x="504000" y="4214880"/>
-            <a:ext cx="4426560" cy="1773000"/>
+            <a:off x="504000" y="4058640"/>
+            <a:ext cx="4426920" cy="2090880"/>
           </a:xfrm>
           <a:prstGeom prst="rect">
             <a:avLst/>
@@ -793,8 +793,8 @@
         </p:nvSpPr>
         <p:spPr>
           <a:xfrm>
-            <a:off x="5152320" y="4214880"/>
-            <a:ext cx="4426560" cy="1773000"/>
+            <a:off x="5152680" y="4058640"/>
+            <a:ext cx="4426920" cy="2090880"/>
           </a:xfrm>
           <a:prstGeom prst="rect">
             <a:avLst/>
@@ -845,8 +845,8 @@
         </p:nvSpPr>
         <p:spPr>
           <a:xfrm>
-            <a:off x="504000" y="805320"/>
-            <a:ext cx="9071280" cy="1261800"/>
+            <a:off x="504000" y="301320"/>
+            <a:ext cx="9072000" cy="1261800"/>
           </a:xfrm>
           <a:prstGeom prst="rect">
             <a:avLst/>
@@ -874,8 +874,8 @@
         </p:nvSpPr>
         <p:spPr>
           <a:xfrm>
-            <a:off x="504000" y="2273040"/>
-            <a:ext cx="2920680" cy="1773000"/>
+            <a:off x="504000" y="1768680"/>
+            <a:ext cx="2921040" cy="2090880"/>
           </a:xfrm>
           <a:prstGeom prst="rect">
             <a:avLst/>
@@ -904,8 +904,8 @@
         </p:nvSpPr>
         <p:spPr>
           <a:xfrm>
-            <a:off x="3571200" y="2273040"/>
-            <a:ext cx="2920680" cy="1773000"/>
+            <a:off x="3571560" y="1768680"/>
+            <a:ext cx="2921040" cy="2090880"/>
           </a:xfrm>
           <a:prstGeom prst="rect">
             <a:avLst/>
@@ -934,8 +934,8 @@
         </p:nvSpPr>
         <p:spPr>
           <a:xfrm>
-            <a:off x="6638040" y="2273040"/>
-            <a:ext cx="2920680" cy="1773000"/>
+            <a:off x="6639120" y="1768680"/>
+            <a:ext cx="2921040" cy="2090880"/>
           </a:xfrm>
           <a:prstGeom prst="rect">
             <a:avLst/>
@@ -964,8 +964,8 @@
         </p:nvSpPr>
         <p:spPr>
           <a:xfrm>
-            <a:off x="504000" y="4214880"/>
-            <a:ext cx="2920680" cy="1773000"/>
+            <a:off x="504000" y="4058640"/>
+            <a:ext cx="2921040" cy="2090880"/>
           </a:xfrm>
           <a:prstGeom prst="rect">
             <a:avLst/>
@@ -994,8 +994,8 @@
         </p:nvSpPr>
         <p:spPr>
           <a:xfrm>
-            <a:off x="3571200" y="4214880"/>
-            <a:ext cx="2920680" cy="1773000"/>
+            <a:off x="3571560" y="4058640"/>
+            <a:ext cx="2921040" cy="2090880"/>
           </a:xfrm>
           <a:prstGeom prst="rect">
             <a:avLst/>
@@ -1024,8 +1024,8 @@
         </p:nvSpPr>
         <p:spPr>
           <a:xfrm>
-            <a:off x="6638040" y="4214880"/>
-            <a:ext cx="2920680" cy="1773000"/>
+            <a:off x="6639120" y="4058640"/>
+            <a:ext cx="2921040" cy="2090880"/>
           </a:xfrm>
           <a:prstGeom prst="rect">
             <a:avLst/>
@@ -1098,8 +1098,8 @@
         </p:nvSpPr>
         <p:spPr>
           <a:xfrm>
-            <a:off x="504000" y="805320"/>
-            <a:ext cx="9071280" cy="1261800"/>
+            <a:off x="504000" y="301320"/>
+            <a:ext cx="9072000" cy="1261800"/>
           </a:xfrm>
           <a:prstGeom prst="rect">
             <a:avLst/>
@@ -1127,8 +1127,8 @@
         </p:nvSpPr>
         <p:spPr>
           <a:xfrm>
-            <a:off x="504000" y="2273040"/>
-            <a:ext cx="9071280" cy="3717000"/>
+            <a:off x="504000" y="1768680"/>
+            <a:ext cx="9072000" cy="4384080"/>
           </a:xfrm>
           <a:prstGeom prst="rect">
             <a:avLst/>
@@ -1178,8 +1178,8 @@
         </p:nvSpPr>
         <p:spPr>
           <a:xfrm>
-            <a:off x="504000" y="805320"/>
-            <a:ext cx="9071280" cy="1261800"/>
+            <a:off x="504000" y="301320"/>
+            <a:ext cx="9072000" cy="1261800"/>
           </a:xfrm>
           <a:prstGeom prst="rect">
             <a:avLst/>
@@ -1207,8 +1207,8 @@
         </p:nvSpPr>
         <p:spPr>
           <a:xfrm>
-            <a:off x="504000" y="2273040"/>
-            <a:ext cx="9071280" cy="3717000"/>
+            <a:off x="504000" y="1768680"/>
+            <a:ext cx="9072000" cy="4384080"/>
           </a:xfrm>
           <a:prstGeom prst="rect">
             <a:avLst/>
@@ -1259,8 +1259,8 @@
         </p:nvSpPr>
         <p:spPr>
           <a:xfrm>
-            <a:off x="504000" y="805320"/>
-            <a:ext cx="9071280" cy="1261800"/>
+            <a:off x="504000" y="301320"/>
+            <a:ext cx="9072000" cy="1261800"/>
           </a:xfrm>
           <a:prstGeom prst="rect">
             <a:avLst/>
@@ -1288,8 +1288,8 @@
         </p:nvSpPr>
         <p:spPr>
           <a:xfrm>
-            <a:off x="504000" y="2273040"/>
-            <a:ext cx="4426560" cy="3717000"/>
+            <a:off x="504000" y="1768680"/>
+            <a:ext cx="4426920" cy="4384080"/>
           </a:xfrm>
           <a:prstGeom prst="rect">
             <a:avLst/>
@@ -1318,8 +1318,8 @@
         </p:nvSpPr>
         <p:spPr>
           <a:xfrm>
-            <a:off x="5152320" y="2273040"/>
-            <a:ext cx="4426560" cy="3717000"/>
+            <a:off x="5152680" y="1768680"/>
+            <a:ext cx="4426920" cy="4384080"/>
           </a:xfrm>
           <a:prstGeom prst="rect">
             <a:avLst/>
@@ -1370,8 +1370,8 @@
         </p:nvSpPr>
         <p:spPr>
           <a:xfrm>
-            <a:off x="504000" y="805320"/>
-            <a:ext cx="9071280" cy="1261800"/>
+            <a:off x="504000" y="301320"/>
+            <a:ext cx="9072000" cy="1261800"/>
           </a:xfrm>
           <a:prstGeom prst="rect">
             <a:avLst/>
@@ -1421,8 +1421,8 @@
         </p:nvSpPr>
         <p:spPr>
           <a:xfrm>
-            <a:off x="504000" y="805320"/>
-            <a:ext cx="9071280" cy="5850360"/>
+            <a:off x="504000" y="301320"/>
+            <a:ext cx="9072000" cy="5850360"/>
           </a:xfrm>
           <a:prstGeom prst="rect">
             <a:avLst/>
@@ -1472,8 +1472,8 @@
         </p:nvSpPr>
         <p:spPr>
           <a:xfrm>
-            <a:off x="504000" y="805320"/>
-            <a:ext cx="9071280" cy="1261800"/>
+            <a:off x="504000" y="301320"/>
+            <a:ext cx="9072000" cy="1261800"/>
           </a:xfrm>
           <a:prstGeom prst="rect">
             <a:avLst/>
@@ -1501,8 +1501,8 @@
         </p:nvSpPr>
         <p:spPr>
           <a:xfrm>
-            <a:off x="504000" y="2273040"/>
-            <a:ext cx="4426560" cy="1773000"/>
+            <a:off x="504000" y="1768680"/>
+            <a:ext cx="4426920" cy="2090880"/>
           </a:xfrm>
           <a:prstGeom prst="rect">
             <a:avLst/>
@@ -1531,8 +1531,8 @@
         </p:nvSpPr>
         <p:spPr>
           <a:xfrm>
-            <a:off x="5152320" y="2273040"/>
-            <a:ext cx="4426560" cy="3717000"/>
+            <a:off x="5152680" y="1768680"/>
+            <a:ext cx="4426920" cy="4384080"/>
           </a:xfrm>
           <a:prstGeom prst="rect">
             <a:avLst/>
@@ -1561,8 +1561,8 @@
         </p:nvSpPr>
         <p:spPr>
           <a:xfrm>
-            <a:off x="504000" y="4214880"/>
-            <a:ext cx="4426560" cy="1773000"/>
+            <a:off x="504000" y="4058640"/>
+            <a:ext cx="4426920" cy="2090880"/>
           </a:xfrm>
           <a:prstGeom prst="rect">
             <a:avLst/>
@@ -1613,8 +1613,8 @@
         </p:nvSpPr>
         <p:spPr>
           <a:xfrm>
-            <a:off x="504000" y="805320"/>
-            <a:ext cx="9071280" cy="1261800"/>
+            <a:off x="504000" y="301320"/>
+            <a:ext cx="9072000" cy="1261800"/>
           </a:xfrm>
           <a:prstGeom prst="rect">
             <a:avLst/>
@@ -1642,8 +1642,8 @@
         </p:nvSpPr>
         <p:spPr>
           <a:xfrm>
-            <a:off x="504000" y="2273040"/>
-            <a:ext cx="9071280" cy="3717000"/>
+            <a:off x="504000" y="1768680"/>
+            <a:ext cx="9072000" cy="4384080"/>
           </a:xfrm>
           <a:prstGeom prst="rect">
             <a:avLst/>
@@ -1693,8 +1693,8 @@
         </p:nvSpPr>
         <p:spPr>
           <a:xfrm>
-            <a:off x="504000" y="805320"/>
-            <a:ext cx="9071280" cy="1261800"/>
+            <a:off x="504000" y="301320"/>
+            <a:ext cx="9072000" cy="1261800"/>
           </a:xfrm>
           <a:prstGeom prst="rect">
             <a:avLst/>
@@ -1722,8 +1722,8 @@
         </p:nvSpPr>
         <p:spPr>
           <a:xfrm>
-            <a:off x="504000" y="2273040"/>
-            <a:ext cx="4426560" cy="3717000"/>
+            <a:off x="504000" y="1768680"/>
+            <a:ext cx="4426920" cy="4384080"/>
           </a:xfrm>
           <a:prstGeom prst="rect">
             <a:avLst/>
@@ -1752,8 +1752,8 @@
         </p:nvSpPr>
         <p:spPr>
           <a:xfrm>
-            <a:off x="5152320" y="2273040"/>
-            <a:ext cx="4426560" cy="1773000"/>
+            <a:off x="5152680" y="1768680"/>
+            <a:ext cx="4426920" cy="2090880"/>
           </a:xfrm>
           <a:prstGeom prst="rect">
             <a:avLst/>
@@ -1782,8 +1782,8 @@
         </p:nvSpPr>
         <p:spPr>
           <a:xfrm>
-            <a:off x="5152320" y="4214880"/>
-            <a:ext cx="4426560" cy="1773000"/>
+            <a:off x="5152680" y="4058640"/>
+            <a:ext cx="4426920" cy="2090880"/>
           </a:xfrm>
           <a:prstGeom prst="rect">
             <a:avLst/>
@@ -1834,8 +1834,8 @@
         </p:nvSpPr>
         <p:spPr>
           <a:xfrm>
-            <a:off x="504000" y="805320"/>
-            <a:ext cx="9071280" cy="1261800"/>
+            <a:off x="504000" y="301320"/>
+            <a:ext cx="9072000" cy="1261800"/>
           </a:xfrm>
           <a:prstGeom prst="rect">
             <a:avLst/>
@@ -1863,8 +1863,8 @@
         </p:nvSpPr>
         <p:spPr>
           <a:xfrm>
-            <a:off x="504000" y="2273040"/>
-            <a:ext cx="4426560" cy="1773000"/>
+            <a:off x="504000" y="1768680"/>
+            <a:ext cx="4426920" cy="2090880"/>
           </a:xfrm>
           <a:prstGeom prst="rect">
             <a:avLst/>
@@ -1893,8 +1893,8 @@
         </p:nvSpPr>
         <p:spPr>
           <a:xfrm>
-            <a:off x="5152320" y="2273040"/>
-            <a:ext cx="4426560" cy="1773000"/>
+            <a:off x="5152680" y="1768680"/>
+            <a:ext cx="4426920" cy="2090880"/>
           </a:xfrm>
           <a:prstGeom prst="rect">
             <a:avLst/>
@@ -1923,8 +1923,8 @@
         </p:nvSpPr>
         <p:spPr>
           <a:xfrm>
-            <a:off x="504000" y="4214880"/>
-            <a:ext cx="9071280" cy="1773000"/>
+            <a:off x="504000" y="4058640"/>
+            <a:ext cx="9072000" cy="2090880"/>
           </a:xfrm>
           <a:prstGeom prst="rect">
             <a:avLst/>
@@ -1975,8 +1975,8 @@
         </p:nvSpPr>
         <p:spPr>
           <a:xfrm>
-            <a:off x="504000" y="805320"/>
-            <a:ext cx="9071280" cy="1261800"/>
+            <a:off x="504000" y="301320"/>
+            <a:ext cx="9072000" cy="1261800"/>
           </a:xfrm>
           <a:prstGeom prst="rect">
             <a:avLst/>
@@ -2004,8 +2004,8 @@
         </p:nvSpPr>
         <p:spPr>
           <a:xfrm>
-            <a:off x="504000" y="2273040"/>
-            <a:ext cx="9071280" cy="1773000"/>
+            <a:off x="504000" y="1768680"/>
+            <a:ext cx="9072000" cy="2090880"/>
           </a:xfrm>
           <a:prstGeom prst="rect">
             <a:avLst/>
@@ -2034,8 +2034,8 @@
         </p:nvSpPr>
         <p:spPr>
           <a:xfrm>
-            <a:off x="504000" y="4214880"/>
-            <a:ext cx="9071280" cy="1773000"/>
+            <a:off x="504000" y="4058640"/>
+            <a:ext cx="9072000" cy="2090880"/>
           </a:xfrm>
           <a:prstGeom prst="rect">
             <a:avLst/>
@@ -2086,8 +2086,8 @@
         </p:nvSpPr>
         <p:spPr>
           <a:xfrm>
-            <a:off x="504000" y="805320"/>
-            <a:ext cx="9071280" cy="1261800"/>
+            <a:off x="504000" y="301320"/>
+            <a:ext cx="9072000" cy="1261800"/>
           </a:xfrm>
           <a:prstGeom prst="rect">
             <a:avLst/>
@@ -2115,8 +2115,8 @@
         </p:nvSpPr>
         <p:spPr>
           <a:xfrm>
-            <a:off x="504000" y="2273040"/>
-            <a:ext cx="4426560" cy="1773000"/>
+            <a:off x="504000" y="1768680"/>
+            <a:ext cx="4426920" cy="2090880"/>
           </a:xfrm>
           <a:prstGeom prst="rect">
             <a:avLst/>
@@ -2145,8 +2145,8 @@
         </p:nvSpPr>
         <p:spPr>
           <a:xfrm>
-            <a:off x="5152320" y="2273040"/>
-            <a:ext cx="4426560" cy="1773000"/>
+            <a:off x="5152680" y="1768680"/>
+            <a:ext cx="4426920" cy="2090880"/>
           </a:xfrm>
           <a:prstGeom prst="rect">
             <a:avLst/>
@@ -2175,8 +2175,8 @@
         </p:nvSpPr>
         <p:spPr>
           <a:xfrm>
-            <a:off x="504000" y="4214880"/>
-            <a:ext cx="4426560" cy="1773000"/>
+            <a:off x="504000" y="4058640"/>
+            <a:ext cx="4426920" cy="2090880"/>
           </a:xfrm>
           <a:prstGeom prst="rect">
             <a:avLst/>
@@ -2205,8 +2205,8 @@
         </p:nvSpPr>
         <p:spPr>
           <a:xfrm>
-            <a:off x="5152320" y="4214880"/>
-            <a:ext cx="4426560" cy="1773000"/>
+            <a:off x="5152680" y="4058640"/>
+            <a:ext cx="4426920" cy="2090880"/>
           </a:xfrm>
           <a:prstGeom prst="rect">
             <a:avLst/>
@@ -2257,8 +2257,8 @@
         </p:nvSpPr>
         <p:spPr>
           <a:xfrm>
-            <a:off x="504000" y="805320"/>
-            <a:ext cx="9071280" cy="1261800"/>
+            <a:off x="504000" y="301320"/>
+            <a:ext cx="9072000" cy="1261800"/>
           </a:xfrm>
           <a:prstGeom prst="rect">
             <a:avLst/>
@@ -2286,8 +2286,8 @@
         </p:nvSpPr>
         <p:spPr>
           <a:xfrm>
-            <a:off x="504000" y="2273040"/>
-            <a:ext cx="2920680" cy="1773000"/>
+            <a:off x="504000" y="1768680"/>
+            <a:ext cx="2921040" cy="2090880"/>
           </a:xfrm>
           <a:prstGeom prst="rect">
             <a:avLst/>
@@ -2316,8 +2316,8 @@
         </p:nvSpPr>
         <p:spPr>
           <a:xfrm>
-            <a:off x="3571200" y="2273040"/>
-            <a:ext cx="2920680" cy="1773000"/>
+            <a:off x="3571560" y="1768680"/>
+            <a:ext cx="2921040" cy="2090880"/>
           </a:xfrm>
           <a:prstGeom prst="rect">
             <a:avLst/>
@@ -2346,8 +2346,8 @@
         </p:nvSpPr>
         <p:spPr>
           <a:xfrm>
-            <a:off x="6638040" y="2273040"/>
-            <a:ext cx="2920680" cy="1773000"/>
+            <a:off x="6639120" y="1768680"/>
+            <a:ext cx="2921040" cy="2090880"/>
           </a:xfrm>
           <a:prstGeom prst="rect">
             <a:avLst/>
@@ -2376,8 +2376,8 @@
         </p:nvSpPr>
         <p:spPr>
           <a:xfrm>
-            <a:off x="504000" y="4214880"/>
-            <a:ext cx="2920680" cy="1773000"/>
+            <a:off x="504000" y="4058640"/>
+            <a:ext cx="2921040" cy="2090880"/>
           </a:xfrm>
           <a:prstGeom prst="rect">
             <a:avLst/>
@@ -2406,8 +2406,8 @@
         </p:nvSpPr>
         <p:spPr>
           <a:xfrm>
-            <a:off x="3571200" y="4214880"/>
-            <a:ext cx="2920680" cy="1773000"/>
+            <a:off x="3571560" y="4058640"/>
+            <a:ext cx="2921040" cy="2090880"/>
           </a:xfrm>
           <a:prstGeom prst="rect">
             <a:avLst/>
@@ -2436,8 +2436,8 @@
         </p:nvSpPr>
         <p:spPr>
           <a:xfrm>
-            <a:off x="6638040" y="4214880"/>
-            <a:ext cx="2920680" cy="1773000"/>
+            <a:off x="6639120" y="4058640"/>
+            <a:ext cx="2921040" cy="2090880"/>
           </a:xfrm>
           <a:prstGeom prst="rect">
             <a:avLst/>
@@ -2488,8 +2488,8 @@
         </p:nvSpPr>
         <p:spPr>
           <a:xfrm>
-            <a:off x="504000" y="805320"/>
-            <a:ext cx="9071280" cy="1261800"/>
+            <a:off x="504000" y="301320"/>
+            <a:ext cx="9072000" cy="1261800"/>
           </a:xfrm>
           <a:prstGeom prst="rect">
             <a:avLst/>
@@ -2517,8 +2517,8 @@
         </p:nvSpPr>
         <p:spPr>
           <a:xfrm>
-            <a:off x="504000" y="2273040"/>
-            <a:ext cx="9071280" cy="3717000"/>
+            <a:off x="504000" y="1768680"/>
+            <a:ext cx="9072000" cy="4384080"/>
           </a:xfrm>
           <a:prstGeom prst="rect">
             <a:avLst/>
@@ -2569,8 +2569,8 @@
         </p:nvSpPr>
         <p:spPr>
           <a:xfrm>
-            <a:off x="504000" y="805320"/>
-            <a:ext cx="9071280" cy="1261800"/>
+            <a:off x="504000" y="301320"/>
+            <a:ext cx="9072000" cy="1261800"/>
           </a:xfrm>
           <a:prstGeom prst="rect">
             <a:avLst/>
@@ -2598,8 +2598,8 @@
         </p:nvSpPr>
         <p:spPr>
           <a:xfrm>
-            <a:off x="504000" y="2273040"/>
-            <a:ext cx="4426560" cy="3717000"/>
+            <a:off x="504000" y="1768680"/>
+            <a:ext cx="4426920" cy="4384080"/>
           </a:xfrm>
           <a:prstGeom prst="rect">
             <a:avLst/>
@@ -2628,8 +2628,8 @@
         </p:nvSpPr>
         <p:spPr>
           <a:xfrm>
-            <a:off x="5152320" y="2273040"/>
-            <a:ext cx="4426560" cy="3717000"/>
+            <a:off x="5152680" y="1768680"/>
+            <a:ext cx="4426920" cy="4384080"/>
           </a:xfrm>
           <a:prstGeom prst="rect">
             <a:avLst/>
@@ -2680,8 +2680,8 @@
         </p:nvSpPr>
         <p:spPr>
           <a:xfrm>
-            <a:off x="504000" y="805320"/>
-            <a:ext cx="9071280" cy="1261800"/>
+            <a:off x="504000" y="301320"/>
+            <a:ext cx="9072000" cy="1261800"/>
           </a:xfrm>
           <a:prstGeom prst="rect">
             <a:avLst/>
@@ -2731,8 +2731,8 @@
         </p:nvSpPr>
         <p:spPr>
           <a:xfrm>
-            <a:off x="504000" y="805320"/>
-            <a:ext cx="9071280" cy="5850360"/>
+            <a:off x="504000" y="301320"/>
+            <a:ext cx="9072000" cy="5850360"/>
           </a:xfrm>
           <a:prstGeom prst="rect">
             <a:avLst/>
@@ -2782,8 +2782,8 @@
         </p:nvSpPr>
         <p:spPr>
           <a:xfrm>
-            <a:off x="504000" y="805320"/>
-            <a:ext cx="9071280" cy="1261800"/>
+            <a:off x="504000" y="301320"/>
+            <a:ext cx="9072000" cy="1261800"/>
           </a:xfrm>
           <a:prstGeom prst="rect">
             <a:avLst/>
@@ -2811,8 +2811,8 @@
         </p:nvSpPr>
         <p:spPr>
           <a:xfrm>
-            <a:off x="504000" y="2273040"/>
-            <a:ext cx="4426560" cy="1773000"/>
+            <a:off x="504000" y="1768680"/>
+            <a:ext cx="4426920" cy="2090880"/>
           </a:xfrm>
           <a:prstGeom prst="rect">
             <a:avLst/>
@@ -2841,8 +2841,8 @@
         </p:nvSpPr>
         <p:spPr>
           <a:xfrm>
-            <a:off x="5152320" y="2273040"/>
-            <a:ext cx="4426560" cy="3717000"/>
+            <a:off x="5152680" y="1768680"/>
+            <a:ext cx="4426920" cy="4384080"/>
           </a:xfrm>
           <a:prstGeom prst="rect">
             <a:avLst/>
@@ -2871,8 +2871,8 @@
         </p:nvSpPr>
         <p:spPr>
           <a:xfrm>
-            <a:off x="504000" y="4214880"/>
-            <a:ext cx="4426560" cy="1773000"/>
+            <a:off x="504000" y="4058640"/>
+            <a:ext cx="4426920" cy="2090880"/>
           </a:xfrm>
           <a:prstGeom prst="rect">
             <a:avLst/>
@@ -2923,8 +2923,8 @@
         </p:nvSpPr>
         <p:spPr>
           <a:xfrm>
-            <a:off x="504000" y="805320"/>
-            <a:ext cx="9071280" cy="1261800"/>
+            <a:off x="504000" y="301320"/>
+            <a:ext cx="9072000" cy="1261800"/>
           </a:xfrm>
           <a:prstGeom prst="rect">
             <a:avLst/>
@@ -2952,8 +2952,8 @@
         </p:nvSpPr>
         <p:spPr>
           <a:xfrm>
-            <a:off x="504000" y="2273040"/>
-            <a:ext cx="4426560" cy="3717000"/>
+            <a:off x="504000" y="1768680"/>
+            <a:ext cx="4426920" cy="4384080"/>
           </a:xfrm>
           <a:prstGeom prst="rect">
             <a:avLst/>
@@ -2982,8 +2982,8 @@
         </p:nvSpPr>
         <p:spPr>
           <a:xfrm>
-            <a:off x="5152320" y="2273040"/>
-            <a:ext cx="4426560" cy="1773000"/>
+            <a:off x="5152680" y="1768680"/>
+            <a:ext cx="4426920" cy="2090880"/>
           </a:xfrm>
           <a:prstGeom prst="rect">
             <a:avLst/>
@@ -3012,8 +3012,8 @@
         </p:nvSpPr>
         <p:spPr>
           <a:xfrm>
-            <a:off x="5152320" y="4214880"/>
-            <a:ext cx="4426560" cy="1773000"/>
+            <a:off x="5152680" y="4058640"/>
+            <a:ext cx="4426920" cy="2090880"/>
           </a:xfrm>
           <a:prstGeom prst="rect">
             <a:avLst/>
@@ -3064,8 +3064,8 @@
         </p:nvSpPr>
         <p:spPr>
           <a:xfrm>
-            <a:off x="504000" y="805320"/>
-            <a:ext cx="9071280" cy="1261800"/>
+            <a:off x="504000" y="301320"/>
+            <a:ext cx="9072000" cy="1261800"/>
           </a:xfrm>
           <a:prstGeom prst="rect">
             <a:avLst/>
@@ -3093,8 +3093,8 @@
         </p:nvSpPr>
         <p:spPr>
           <a:xfrm>
-            <a:off x="504000" y="2273040"/>
-            <a:ext cx="4426560" cy="1773000"/>
+            <a:off x="504000" y="1768680"/>
+            <a:ext cx="4426920" cy="2090880"/>
           </a:xfrm>
           <a:prstGeom prst="rect">
             <a:avLst/>
@@ -3123,8 +3123,8 @@
         </p:nvSpPr>
         <p:spPr>
           <a:xfrm>
-            <a:off x="5152320" y="2273040"/>
-            <a:ext cx="4426560" cy="1773000"/>
+            <a:off x="5152680" y="1768680"/>
+            <a:ext cx="4426920" cy="2090880"/>
           </a:xfrm>
           <a:prstGeom prst="rect">
             <a:avLst/>
@@ -3153,8 +3153,8 @@
         </p:nvSpPr>
         <p:spPr>
           <a:xfrm>
-            <a:off x="504000" y="4214880"/>
-            <a:ext cx="9071280" cy="1773000"/>
+            <a:off x="504000" y="4058640"/>
+            <a:ext cx="9072000" cy="2090880"/>
           </a:xfrm>
           <a:prstGeom prst="rect">
             <a:avLst/>
@@ -3216,7 +3216,7 @@
         <p:spPr>
           <a:xfrm>
             <a:off x="504000" y="805320"/>
-            <a:ext cx="9071280" cy="1261800"/>
+            <a:ext cx="9070920" cy="1261440"/>
           </a:xfrm>
           <a:prstGeom prst="rect">
             <a:avLst/>
@@ -3249,8 +3249,8 @@
         </p:nvSpPr>
         <p:spPr>
           <a:xfrm>
-            <a:off x="504000" y="1768680"/>
-            <a:ext cx="9072000" cy="4384080"/>
+            <a:off x="504000" y="2273040"/>
+            <a:ext cx="9070920" cy="3716640"/>
           </a:xfrm>
           <a:prstGeom prst="rect">
             <a:avLst/>
@@ -3273,12 +3273,12 @@
               <a:buChar char=""/>
             </a:pPr>
             <a:r>
-              <a:rPr b="0" lang="en-US" sz="3200" spc="-1" strike="noStrike">
+              <a:rPr b="0" lang="en-US" sz="1800" spc="-1" strike="noStrike">
                 <a:latin typeface="Arial"/>
               </a:rPr>
               <a:t>Click to edit the outline text format</a:t>
             </a:r>
-            <a:endParaRPr b="0" lang="en-US" sz="3200" spc="-1" strike="noStrike">
+            <a:endParaRPr b="0" lang="en-US" sz="1800" spc="-1" strike="noStrike">
               <a:latin typeface="Arial"/>
             </a:endParaRPr>
           </a:p>
@@ -3295,12 +3295,12 @@
               <a:buChar char=""/>
             </a:pPr>
             <a:r>
-              <a:rPr b="0" lang="en-US" sz="2800" spc="-1" strike="noStrike">
+              <a:rPr b="0" lang="en-US" sz="1800" spc="-1" strike="noStrike">
                 <a:latin typeface="Arial"/>
               </a:rPr>
               <a:t>Second Outline Level</a:t>
             </a:r>
-            <a:endParaRPr b="0" lang="en-US" sz="2800" spc="-1" strike="noStrike">
+            <a:endParaRPr b="0" lang="en-US" sz="1800" spc="-1" strike="noStrike">
               <a:latin typeface="Arial"/>
             </a:endParaRPr>
           </a:p>
@@ -3317,12 +3317,12 @@
               <a:buChar char=""/>
             </a:pPr>
             <a:r>
-              <a:rPr b="0" lang="en-US" sz="2400" spc="-1" strike="noStrike">
+              <a:rPr b="0" lang="en-US" sz="1800" spc="-1" strike="noStrike">
                 <a:latin typeface="Arial"/>
               </a:rPr>
               <a:t>Third Outline Level</a:t>
             </a:r>
-            <a:endParaRPr b="0" lang="en-US" sz="2400" spc="-1" strike="noStrike">
+            <a:endParaRPr b="0" lang="en-US" sz="1800" spc="-1" strike="noStrike">
               <a:latin typeface="Arial"/>
             </a:endParaRPr>
           </a:p>
@@ -3339,12 +3339,12 @@
               <a:buChar char=""/>
             </a:pPr>
             <a:r>
-              <a:rPr b="0" lang="en-US" sz="2000" spc="-1" strike="noStrike">
+              <a:rPr b="0" lang="en-US" sz="1800" spc="-1" strike="noStrike">
                 <a:latin typeface="Arial"/>
               </a:rPr>
               <a:t>Fourth Outline Level</a:t>
             </a:r>
-            <a:endParaRPr b="0" lang="en-US" sz="2000" spc="-1" strike="noStrike">
+            <a:endParaRPr b="0" lang="en-US" sz="1800" spc="-1" strike="noStrike">
               <a:latin typeface="Arial"/>
             </a:endParaRPr>
           </a:p>
@@ -3361,12 +3361,12 @@
               <a:buChar char=""/>
             </a:pPr>
             <a:r>
-              <a:rPr b="0" lang="en-US" sz="2000" spc="-1" strike="noStrike">
+              <a:rPr b="0" lang="en-US" sz="1800" spc="-1" strike="noStrike">
                 <a:latin typeface="Arial"/>
               </a:rPr>
               <a:t>Fifth Outline Level</a:t>
             </a:r>
-            <a:endParaRPr b="0" lang="en-US" sz="2000" spc="-1" strike="noStrike">
+            <a:endParaRPr b="0" lang="en-US" sz="1800" spc="-1" strike="noStrike">
               <a:latin typeface="Arial"/>
             </a:endParaRPr>
           </a:p>
@@ -3383,12 +3383,12 @@
               <a:buChar char=""/>
             </a:pPr>
             <a:r>
-              <a:rPr b="0" lang="en-US" sz="2000" spc="-1" strike="noStrike">
+              <a:rPr b="0" lang="en-US" sz="1800" spc="-1" strike="noStrike">
                 <a:latin typeface="Arial"/>
               </a:rPr>
               <a:t>Sixth Outline Level</a:t>
             </a:r>
-            <a:endParaRPr b="0" lang="en-US" sz="2000" spc="-1" strike="noStrike">
+            <a:endParaRPr b="0" lang="en-US" sz="1800" spc="-1" strike="noStrike">
               <a:latin typeface="Arial"/>
             </a:endParaRPr>
           </a:p>
@@ -3405,12 +3405,12 @@
               <a:buChar char=""/>
             </a:pPr>
             <a:r>
-              <a:rPr b="0" lang="en-US" sz="2000" spc="-1" strike="noStrike">
+              <a:rPr b="0" lang="en-US" sz="1800" spc="-1" strike="noStrike">
                 <a:latin typeface="Arial"/>
               </a:rPr>
               <a:t>Seventh Outline Level</a:t>
             </a:r>
-            <a:endParaRPr b="0" lang="en-US" sz="2000" spc="-1" strike="noStrike">
+            <a:endParaRPr b="0" lang="en-US" sz="1800" spc="-1" strike="noStrike">
               <a:latin typeface="Arial"/>
             </a:endParaRPr>
           </a:p>
@@ -3475,8 +3475,8 @@
         </p:nvSpPr>
         <p:spPr>
           <a:xfrm>
-            <a:off x="504000" y="805320"/>
-            <a:ext cx="9071280" cy="1261800"/>
+            <a:off x="504000" y="301320"/>
+            <a:ext cx="9072000" cy="1261800"/>
           </a:xfrm>
           <a:prstGeom prst="rect">
             <a:avLst/>
@@ -3485,13 +3485,14 @@
         <p:txBody>
           <a:bodyPr lIns="0" rIns="0" tIns="0" bIns="0" anchor="ctr"/>
           <a:p>
-            <a:r>
-              <a:rPr b="0" lang="en-US" sz="1800" spc="-1" strike="noStrike">
+            <a:pPr algn="ctr"/>
+            <a:r>
+              <a:rPr b="0" lang="en-US" sz="4400" spc="-1" strike="noStrike">
                 <a:latin typeface="Arial"/>
               </a:rPr>
               <a:t>Click to edit the title text format</a:t>
             </a:r>
-            <a:endParaRPr b="0" lang="en-US" sz="1800" spc="-1" strike="noStrike">
+            <a:endParaRPr b="0" lang="en-US" sz="4400" spc="-1" strike="noStrike">
               <a:latin typeface="Arial"/>
             </a:endParaRPr>
           </a:p>
@@ -3509,15 +3510,17 @@
         </p:nvSpPr>
         <p:spPr>
           <a:xfrm>
-            <a:off x="504000" y="2273040"/>
-            <a:ext cx="9071280" cy="3717000"/>
-          </a:xfrm>
-          <a:prstGeom prst="rect">
-            <a:avLst/>
-          </a:prstGeom>
-        </p:spPr>
-        <p:txBody>
-          <a:bodyPr lIns="0" rIns="0" tIns="0" bIns="0"/>
+            <a:off x="504000" y="1768680"/>
+            <a:ext cx="9072000" cy="4384080"/>
+          </a:xfrm>
+          <a:prstGeom prst="rect">
+            <a:avLst/>
+          </a:prstGeom>
+        </p:spPr>
+        <p:txBody>
+          <a:bodyPr lIns="0" rIns="0" tIns="0" bIns="0">
+            <a:normAutofit/>
+          </a:bodyPr>
           <a:p>
             <a:pPr marL="432000" indent="-324000">
               <a:spcBef>
@@ -3531,12 +3534,12 @@
               <a:buChar char=""/>
             </a:pPr>
             <a:r>
-              <a:rPr b="0" lang="en-US" sz="1800" spc="-1" strike="noStrike">
+              <a:rPr b="0" lang="en-US" sz="3200" spc="-1" strike="noStrike">
                 <a:latin typeface="Arial"/>
               </a:rPr>
               <a:t>Click to edit the outline text format</a:t>
             </a:r>
-            <a:endParaRPr b="0" lang="en-US" sz="1800" spc="-1" strike="noStrike">
+            <a:endParaRPr b="0" lang="en-US" sz="3200" spc="-1" strike="noStrike">
               <a:latin typeface="Arial"/>
             </a:endParaRPr>
           </a:p>
@@ -3553,12 +3556,12 @@
               <a:buChar char=""/>
             </a:pPr>
             <a:r>
-              <a:rPr b="0" lang="en-US" sz="1800" spc="-1" strike="noStrike">
+              <a:rPr b="0" lang="en-US" sz="2800" spc="-1" strike="noStrike">
                 <a:latin typeface="Arial"/>
               </a:rPr>
               <a:t>Second Outline Level</a:t>
             </a:r>
-            <a:endParaRPr b="0" lang="en-US" sz="1800" spc="-1" strike="noStrike">
+            <a:endParaRPr b="0" lang="en-US" sz="2800" spc="-1" strike="noStrike">
               <a:latin typeface="Arial"/>
             </a:endParaRPr>
           </a:p>
@@ -3575,12 +3578,12 @@
               <a:buChar char=""/>
             </a:pPr>
             <a:r>
-              <a:rPr b="0" lang="en-US" sz="1800" spc="-1" strike="noStrike">
+              <a:rPr b="0" lang="en-US" sz="2400" spc="-1" strike="noStrike">
                 <a:latin typeface="Arial"/>
               </a:rPr>
               <a:t>Third Outline Level</a:t>
             </a:r>
-            <a:endParaRPr b="0" lang="en-US" sz="1800" spc="-1" strike="noStrike">
+            <a:endParaRPr b="0" lang="en-US" sz="2400" spc="-1" strike="noStrike">
               <a:latin typeface="Arial"/>
             </a:endParaRPr>
           </a:p>
@@ -3597,12 +3600,12 @@
               <a:buChar char=""/>
             </a:pPr>
             <a:r>
-              <a:rPr b="0" lang="en-US" sz="1800" spc="-1" strike="noStrike">
+              <a:rPr b="0" lang="en-US" sz="2000" spc="-1" strike="noStrike">
                 <a:latin typeface="Arial"/>
               </a:rPr>
               <a:t>Fourth Outline Level</a:t>
             </a:r>
-            <a:endParaRPr b="0" lang="en-US" sz="1800" spc="-1" strike="noStrike">
+            <a:endParaRPr b="0" lang="en-US" sz="2000" spc="-1" strike="noStrike">
               <a:latin typeface="Arial"/>
             </a:endParaRPr>
           </a:p>
@@ -3619,12 +3622,12 @@
               <a:buChar char=""/>
             </a:pPr>
             <a:r>
-              <a:rPr b="0" lang="en-US" sz="1800" spc="-1" strike="noStrike">
+              <a:rPr b="0" lang="en-US" sz="2000" spc="-1" strike="noStrike">
                 <a:latin typeface="Arial"/>
               </a:rPr>
               <a:t>Fifth Outline Level</a:t>
             </a:r>
-            <a:endParaRPr b="0" lang="en-US" sz="1800" spc="-1" strike="noStrike">
+            <a:endParaRPr b="0" lang="en-US" sz="2000" spc="-1" strike="noStrike">
               <a:latin typeface="Arial"/>
             </a:endParaRPr>
           </a:p>
@@ -3641,12 +3644,12 @@
               <a:buChar char=""/>
             </a:pPr>
             <a:r>
-              <a:rPr b="0" lang="en-US" sz="1800" spc="-1" strike="noStrike">
+              <a:rPr b="0" lang="en-US" sz="2000" spc="-1" strike="noStrike">
                 <a:latin typeface="Arial"/>
               </a:rPr>
               <a:t>Sixth Outline Level</a:t>
             </a:r>
-            <a:endParaRPr b="0" lang="en-US" sz="1800" spc="-1" strike="noStrike">
+            <a:endParaRPr b="0" lang="en-US" sz="2000" spc="-1" strike="noStrike">
               <a:latin typeface="Arial"/>
             </a:endParaRPr>
           </a:p>
@@ -3663,12 +3666,12 @@
               <a:buChar char=""/>
             </a:pPr>
             <a:r>
-              <a:rPr b="0" lang="en-US" sz="1800" spc="-1" strike="noStrike">
+              <a:rPr b="0" lang="en-US" sz="2000" spc="-1" strike="noStrike">
                 <a:latin typeface="Arial"/>
               </a:rPr>
               <a:t>Seventh Outline Level</a:t>
             </a:r>
-            <a:endParaRPr b="0" lang="en-US" sz="1800" spc="-1" strike="noStrike">
+            <a:endParaRPr b="0" lang="en-US" sz="2000" spc="-1" strike="noStrike">
               <a:latin typeface="Arial"/>
             </a:endParaRPr>
           </a:p>
@@ -3720,7 +3723,7 @@
         <p:spPr>
           <a:xfrm>
             <a:off x="1591200" y="2934000"/>
-            <a:ext cx="7012440" cy="939240"/>
+            <a:ext cx="7012080" cy="938880"/>
           </a:xfrm>
           <a:prstGeom prst="rect">
             <a:avLst/>
@@ -3750,6 +3753,7 @@
                   <a:srgbClr val="ffffff"/>
                 </a:solidFill>
                 <a:latin typeface="Arial"/>
+                <a:ea typeface="DejaVu Sans"/>
               </a:rPr>
               <a:t>שיווק הי-טק בחטיבה</a:t>
             </a:r>
@@ -3768,7 +3772,7 @@
         <p:spPr>
           <a:xfrm>
             <a:off x="2286000" y="3934800"/>
-            <a:ext cx="5714640" cy="813960"/>
+            <a:ext cx="5714280" cy="813600"/>
           </a:xfrm>
           <a:prstGeom prst="rect">
             <a:avLst/>
@@ -3798,6 +3802,7 @@
                   <a:srgbClr val="ffffff"/>
                 </a:solidFill>
                 <a:latin typeface="Arial"/>
+                <a:ea typeface="DejaVu Sans"/>
               </a:rPr>
               <a:t>שלום מיץ מאי </a:t>
             </a:r>
@@ -3807,6 +3812,7 @@
                   <a:srgbClr val="ffffff"/>
                 </a:solidFill>
                 <a:latin typeface="Arial"/>
+                <a:ea typeface="DejaVu Sans"/>
               </a:rPr>
               <a:t>2019</a:t>
             </a:r>
@@ -3874,7 +3880,7 @@
         <p:spPr>
           <a:xfrm>
             <a:off x="504000" y="850320"/>
-            <a:ext cx="9071280" cy="1171800"/>
+            <a:ext cx="9070920" cy="1171440"/>
           </a:xfrm>
           <a:prstGeom prst="rect">
             <a:avLst/>
@@ -3904,6 +3910,7 @@
                   <a:srgbClr val="ffffff"/>
                 </a:solidFill>
                 <a:latin typeface="Arial"/>
+                <a:ea typeface="DejaVu Sans"/>
               </a:rPr>
               <a:t>התנסות</a:t>
             </a:r>
@@ -3922,7 +3929,7 @@
         <p:spPr>
           <a:xfrm>
             <a:off x="504000" y="2273040"/>
-            <a:ext cx="9071280" cy="3717000"/>
+            <a:ext cx="9070920" cy="3716640"/>
           </a:xfrm>
           <a:prstGeom prst="rect">
             <a:avLst/>
@@ -3941,7 +3948,7 @@
         <p:txBody>
           <a:bodyPr lIns="0" rIns="0" tIns="0" bIns="0"/>
           <a:p>
-            <a:pPr marL="432000" indent="-323640" algn="r" rtl="1">
+            <a:pPr marL="432000" indent="-323280" algn="r" rtl="1">
               <a:lnSpc>
                 <a:spcPct val="100000"/>
               </a:lnSpc>
@@ -3961,6 +3968,7 @@
                   <a:srgbClr val="ffffff"/>
                 </a:solidFill>
                 <a:latin typeface="Arial"/>
+                <a:ea typeface="DejaVu Sans"/>
               </a:rPr>
               <a:t>לימוד הקס ?</a:t>
             </a:r>
@@ -4028,7 +4036,7 @@
         <p:spPr>
           <a:xfrm>
             <a:off x="504000" y="850320"/>
-            <a:ext cx="9071280" cy="1171800"/>
+            <a:ext cx="9070920" cy="1171440"/>
           </a:xfrm>
           <a:prstGeom prst="rect">
             <a:avLst/>
@@ -4058,6 +4066,7 @@
                   <a:srgbClr val="ffffff"/>
                 </a:solidFill>
                 <a:latin typeface="Arial"/>
+                <a:ea typeface="DejaVu Sans"/>
               </a:rPr>
               <a:t>תוכנית</a:t>
             </a:r>
@@ -4076,7 +4085,7 @@
         <p:spPr>
           <a:xfrm>
             <a:off x="504000" y="2273040"/>
-            <a:ext cx="9071280" cy="4804560"/>
+            <a:ext cx="9070920" cy="4804200"/>
           </a:xfrm>
           <a:prstGeom prst="rect">
             <a:avLst/>
@@ -4095,7 +4104,7 @@
         <p:txBody>
           <a:bodyPr lIns="0" rIns="0" tIns="0" bIns="0"/>
           <a:p>
-            <a:pPr marL="432000" indent="-323640" algn="r" rtl="1">
+            <a:pPr marL="432000" indent="-323280" algn="r" rtl="1">
               <a:lnSpc>
                 <a:spcPct val="100000"/>
               </a:lnSpc>
@@ -4115,6 +4124,7 @@
                   <a:srgbClr val="ffffff"/>
                 </a:solidFill>
                 <a:latin typeface="Arial"/>
+                <a:ea typeface="DejaVu Sans"/>
               </a:rPr>
               <a:t>התנסות</a:t>
             </a:r>
@@ -4123,7 +4133,7 @@
             </a:endParaRPr>
           </a:p>
           <a:p>
-            <a:pPr marL="432000" indent="-323640" algn="r" rtl="1">
+            <a:pPr marL="432000" indent="-323280" algn="r" rtl="1">
               <a:lnSpc>
                 <a:spcPct val="100000"/>
               </a:lnSpc>
@@ -4143,6 +4153,7 @@
                   <a:srgbClr val="ffffff"/>
                 </a:solidFill>
                 <a:latin typeface="Arial"/>
+                <a:ea typeface="DejaVu Sans"/>
               </a:rPr>
               <a:t>מי אני</a:t>
             </a:r>
@@ -4151,7 +4162,7 @@
             </a:endParaRPr>
           </a:p>
           <a:p>
-            <a:pPr marL="432000" indent="-323640" algn="r" rtl="1">
+            <a:pPr marL="432000" indent="-323280" algn="r" rtl="1">
               <a:lnSpc>
                 <a:spcPct val="100000"/>
               </a:lnSpc>
@@ -4171,6 +4182,7 @@
                   <a:srgbClr val="ffffff"/>
                 </a:solidFill>
                 <a:latin typeface="Arial"/>
+                <a:ea typeface="DejaVu Sans"/>
               </a:rPr>
               <a:t>למה</a:t>
             </a:r>
@@ -4179,7 +4191,7 @@
             </a:endParaRPr>
           </a:p>
           <a:p>
-            <a:pPr marL="432000" indent="-323640" algn="r" rtl="1">
+            <a:pPr marL="432000" indent="-323280" algn="r" rtl="1">
               <a:lnSpc>
                 <a:spcPct val="100000"/>
               </a:lnSpc>
@@ -4199,6 +4211,7 @@
                   <a:srgbClr val="ffffff"/>
                 </a:solidFill>
                 <a:latin typeface="Arial"/>
+                <a:ea typeface="DejaVu Sans"/>
               </a:rPr>
               <a:t>עשיה</a:t>
             </a:r>
@@ -4207,7 +4220,7 @@
             </a:endParaRPr>
           </a:p>
           <a:p>
-            <a:pPr marL="432000" indent="-323640" algn="r" rtl="1">
+            <a:pPr marL="432000" indent="-323280" algn="r" rtl="1">
               <a:lnSpc>
                 <a:spcPct val="100000"/>
               </a:lnSpc>
@@ -4227,6 +4240,7 @@
                   <a:srgbClr val="ffffff"/>
                 </a:solidFill>
                 <a:latin typeface="Arial"/>
+                <a:ea typeface="DejaVu Sans"/>
               </a:rPr>
               <a:t>יתרונות</a:t>
             </a:r>
@@ -4235,7 +4249,7 @@
             </a:endParaRPr>
           </a:p>
           <a:p>
-            <a:pPr marL="432000" indent="-323640" algn="r" rtl="1">
+            <a:pPr marL="432000" indent="-323280" algn="r" rtl="1">
               <a:lnSpc>
                 <a:spcPct val="100000"/>
               </a:lnSpc>
@@ -4255,6 +4269,7 @@
                   <a:srgbClr val="ffffff"/>
                 </a:solidFill>
                 <a:latin typeface="Arial"/>
+                <a:ea typeface="DejaVu Sans"/>
               </a:rPr>
               <a:t>חסרונות</a:t>
             </a:r>
@@ -4263,7 +4278,7 @@
             </a:endParaRPr>
           </a:p>
           <a:p>
-            <a:pPr marL="432000" indent="-323640" algn="r" rtl="1">
+            <a:pPr marL="432000" indent="-323280" algn="r" rtl="1">
               <a:lnSpc>
                 <a:spcPct val="100000"/>
               </a:lnSpc>
@@ -4283,6 +4298,7 @@
                   <a:srgbClr val="ffffff"/>
                 </a:solidFill>
                 <a:latin typeface="Arial"/>
+                <a:ea typeface="DejaVu Sans"/>
               </a:rPr>
               <a:t>התנסות</a:t>
             </a:r>
@@ -4350,7 +4366,7 @@
         <p:spPr>
           <a:xfrm>
             <a:off x="504000" y="850320"/>
-            <a:ext cx="9071280" cy="1171800"/>
+            <a:ext cx="9070920" cy="1171440"/>
           </a:xfrm>
           <a:prstGeom prst="rect">
             <a:avLst/>
@@ -4380,6 +4396,7 @@
                   <a:srgbClr val="ffffff"/>
                 </a:solidFill>
                 <a:latin typeface="Arial"/>
+                <a:ea typeface="DejaVu Sans"/>
               </a:rPr>
               <a:t>התנסות</a:t>
             </a:r>
@@ -4398,7 +4415,7 @@
         <p:spPr>
           <a:xfrm>
             <a:off x="504000" y="2273040"/>
-            <a:ext cx="9071280" cy="3717000"/>
+            <a:ext cx="9070920" cy="3716640"/>
           </a:xfrm>
           <a:prstGeom prst="rect">
             <a:avLst/>
@@ -4417,7 +4434,7 @@
         <p:txBody>
           <a:bodyPr lIns="0" rIns="0" tIns="0" bIns="0"/>
           <a:p>
-            <a:pPr marL="432000" indent="-323640" algn="r" rtl="1">
+            <a:pPr marL="432000" indent="-323280" algn="r" rtl="1">
               <a:lnSpc>
                 <a:spcPct val="100000"/>
               </a:lnSpc>
@@ -4437,6 +4454,7 @@
                   <a:srgbClr val="ffffff"/>
                 </a:solidFill>
                 <a:latin typeface="Arial"/>
+                <a:ea typeface="DejaVu Sans"/>
               </a:rPr>
               <a:t>לימוד בינרי והקס</a:t>
             </a:r>
@@ -4445,7 +4463,7 @@
             </a:endParaRPr>
           </a:p>
           <a:p>
-            <a:pPr marL="432000" indent="-323640" algn="r" rtl="1">
+            <a:pPr marL="432000" indent="-323280" algn="r" rtl="1">
               <a:lnSpc>
                 <a:spcPct val="100000"/>
               </a:lnSpc>
@@ -4465,8 +4483,9 @@
                   <a:srgbClr val="ffffff"/>
                 </a:solidFill>
                 <a:latin typeface="Arial"/>
-              </a:rPr>
-              <a:t> </a:t>
+                <a:ea typeface="DejaVu Sans"/>
+              </a:rPr>
+              <a:t>או סרט של רובטים רוקדים ? </a:t>
             </a:r>
             <a:endParaRPr b="0" lang="en-US" sz="2200" spc="-1" strike="noStrike">
               <a:latin typeface="Arial"/>
@@ -4532,7 +4551,7 @@
         <p:spPr>
           <a:xfrm>
             <a:off x="504000" y="850320"/>
-            <a:ext cx="9071280" cy="1171800"/>
+            <a:ext cx="9070920" cy="1171440"/>
           </a:xfrm>
           <a:prstGeom prst="rect">
             <a:avLst/>
@@ -4562,6 +4581,7 @@
                   <a:srgbClr val="ffffff"/>
                 </a:solidFill>
                 <a:latin typeface="Arial"/>
+                <a:ea typeface="DejaVu Sans"/>
               </a:rPr>
               <a:t>מי אני</a:t>
             </a:r>
@@ -4580,7 +4600,7 @@
         <p:spPr>
           <a:xfrm>
             <a:off x="504000" y="2273040"/>
-            <a:ext cx="9071280" cy="3852000"/>
+            <a:ext cx="9070920" cy="3851640"/>
           </a:xfrm>
           <a:prstGeom prst="rect">
             <a:avLst/>
@@ -4612,7 +4632,7 @@
             </a:endParaRPr>
           </a:p>
           <a:p>
-            <a:pPr marL="432000" indent="-323640" algn="r" rtl="1">
+            <a:pPr marL="432000" indent="-323280" algn="r" rtl="1">
               <a:lnSpc>
                 <a:spcPct val="100000"/>
               </a:lnSpc>
@@ -4632,6 +4652,7 @@
                   <a:srgbClr val="ffffff"/>
                 </a:solidFill>
                 <a:latin typeface="Arial"/>
+                <a:ea typeface="DejaVu Sans"/>
               </a:rPr>
               <a:t>מהנדס אלקטרוניקה ומחשבים</a:t>
             </a:r>
@@ -4640,7 +4661,7 @@
             </a:endParaRPr>
           </a:p>
           <a:p>
-            <a:pPr marL="432000" indent="-323640" algn="r" rtl="1">
+            <a:pPr marL="432000" indent="-323280" rtl="1">
               <a:lnSpc>
                 <a:spcPct val="100000"/>
               </a:lnSpc>
@@ -4660,8 +4681,9 @@
                   <a:srgbClr val="ffffff"/>
                 </a:solidFill>
                 <a:latin typeface="Arial"/>
-              </a:rPr>
-              <a:t>Technical Leader at Cicso</a:t>
+                <a:ea typeface="DejaVu Sans"/>
+              </a:rPr>
+              <a:t>Technical Leader at Cisco</a:t>
             </a:r>
             <a:br/>
             <a:r>
@@ -4670,6 +4692,7 @@
                   <a:srgbClr val="ffffff"/>
                 </a:solidFill>
                 <a:latin typeface="Arial"/>
+                <a:ea typeface="DejaVu Sans"/>
               </a:rPr>
               <a:t>Now at Synamedia</a:t>
             </a:r>
@@ -4678,7 +4701,7 @@
             </a:endParaRPr>
           </a:p>
           <a:p>
-            <a:pPr marL="432000" indent="-323640" algn="r" rtl="1">
+            <a:pPr marL="432000" indent="-323280" algn="r" rtl="1">
               <a:lnSpc>
                 <a:spcPct val="100000"/>
               </a:lnSpc>
@@ -4698,6 +4721,7 @@
                   <a:srgbClr val="ffffff"/>
                 </a:solidFill>
                 <a:latin typeface="Arial"/>
+                <a:ea typeface="DejaVu Sans"/>
               </a:rPr>
               <a:t>מלמד פעם בשבוע ב </a:t>
             </a:r>
@@ -4707,6 +4731,7 @@
                   <a:srgbClr val="ffffff"/>
                 </a:solidFill>
                 <a:latin typeface="Arial"/>
+                <a:ea typeface="DejaVu Sans"/>
               </a:rPr>
               <a:t>11</a:t>
             </a:r>
@@ -4716,6 +4741,7 @@
                   <a:srgbClr val="ffffff"/>
                 </a:solidFill>
                 <a:latin typeface="Arial"/>
+                <a:ea typeface="DejaVu Sans"/>
               </a:rPr>
               <a:t> השנים האחרונות</a:t>
             </a:r>
@@ -4724,7 +4750,7 @@
             </a:endParaRPr>
           </a:p>
           <a:p>
-            <a:pPr marL="432000" indent="-323640" algn="r" rtl="1">
+            <a:pPr marL="432000" indent="-323280" algn="r" rtl="1">
               <a:lnSpc>
                 <a:spcPct val="100000"/>
               </a:lnSpc>
@@ -4744,6 +4770,7 @@
                   <a:srgbClr val="ffffff"/>
                 </a:solidFill>
                 <a:latin typeface="Arial"/>
+                <a:ea typeface="DejaVu Sans"/>
               </a:rPr>
               <a:t>מורעל טכנולוגיה ומחשבים</a:t>
             </a:r>
@@ -4811,7 +4838,7 @@
         <p:spPr>
           <a:xfrm>
             <a:off x="504000" y="850320"/>
-            <a:ext cx="9071280" cy="1171800"/>
+            <a:ext cx="9070920" cy="1171440"/>
           </a:xfrm>
           <a:prstGeom prst="rect">
             <a:avLst/>
@@ -4841,6 +4868,7 @@
                   <a:srgbClr val="ffffff"/>
                 </a:solidFill>
                 <a:latin typeface="Arial"/>
+                <a:ea typeface="DejaVu Sans"/>
               </a:rPr>
               <a:t>למה</a:t>
             </a:r>
@@ -4859,7 +4887,7 @@
         <p:spPr>
           <a:xfrm>
             <a:off x="504000" y="2273040"/>
-            <a:ext cx="9071280" cy="4624560"/>
+            <a:ext cx="9070920" cy="4624200"/>
           </a:xfrm>
           <a:prstGeom prst="rect">
             <a:avLst/>
@@ -4878,7 +4906,7 @@
         <p:txBody>
           <a:bodyPr lIns="0" rIns="0" tIns="0" bIns="0"/>
           <a:p>
-            <a:pPr marL="432000" indent="-323640" algn="r" rtl="1">
+            <a:pPr marL="432000" indent="-323280" algn="r" rtl="1">
               <a:lnSpc>
                 <a:spcPct val="100000"/>
               </a:lnSpc>
@@ -4898,15 +4926,16 @@
                   <a:srgbClr val="ffffff"/>
                 </a:solidFill>
                 <a:latin typeface="Arial"/>
-              </a:rPr>
-              <a:t>חשיפה לאיך הי-טק עובד</a:t>
+                <a:ea typeface="DejaVu Sans"/>
+              </a:rPr>
+              <a:t>להרעיל את התלמידים לטכנולוגיה</a:t>
             </a:r>
             <a:endParaRPr b="0" lang="en-US" sz="3600" spc="-1" strike="noStrike">
               <a:latin typeface="Arial"/>
             </a:endParaRPr>
           </a:p>
           <a:p>
-            <a:pPr marL="432000" indent="-323640" algn="r" rtl="1">
+            <a:pPr marL="432000" indent="-323280" algn="r" rtl="1">
               <a:lnSpc>
                 <a:spcPct val="100000"/>
               </a:lnSpc>
@@ -4926,15 +4955,45 @@
                   <a:srgbClr val="ffffff"/>
                 </a:solidFill>
                 <a:latin typeface="Arial"/>
-              </a:rPr>
-              <a:t>להרעיל אותם לטכנולוגיה</a:t>
+                <a:ea typeface="DejaVu Sans"/>
+              </a:rPr>
+              <a:t>חשיפה לאיך הי-טק עובד</a:t>
             </a:r>
             <a:endParaRPr b="0" lang="en-US" sz="3600" spc="-1" strike="noStrike">
               <a:latin typeface="Arial"/>
             </a:endParaRPr>
           </a:p>
           <a:p>
-            <a:pPr marL="432000" indent="-323640" algn="r" rtl="1">
+            <a:pPr lvl="1" marL="432000" indent="-216000" algn="r" rtl="1">
+              <a:lnSpc>
+                <a:spcPct val="100000"/>
+              </a:lnSpc>
+              <a:spcAft>
+                <a:spcPts val="1417"/>
+              </a:spcAft>
+              <a:buClr>
+                <a:srgbClr val="000000"/>
+              </a:buClr>
+              <a:buSzPct val="45000"/>
+              <a:buFont typeface="Wingdings" charset="2"/>
+              <a:buChar char=""/>
+            </a:pPr>
+            <a:r>
+              <a:rPr b="0" lang="en-US" sz="3200" spc="-1" strike="noStrike">
+                <a:solidFill>
+                  <a:srgbClr val="ffffff"/>
+                </a:solidFill>
+                <a:latin typeface="Arial"/>
+                <a:ea typeface="DejaVu Sans"/>
+              </a:rPr>
+              <a:t>טעימה של איך פיתוח טכנולוגיה עובד</a:t>
+            </a:r>
+            <a:endParaRPr b="0" lang="en-US" sz="3200" spc="-1" strike="noStrike">
+              <a:latin typeface="Arial"/>
+            </a:endParaRPr>
+          </a:p>
+          <a:p>
+            <a:pPr marL="432000" indent="-323280" algn="r" rtl="1">
               <a:lnSpc>
                 <a:spcPct val="100000"/>
               </a:lnSpc>
@@ -4954,6 +5013,7 @@
                   <a:srgbClr val="ffffff"/>
                 </a:solidFill>
                 <a:latin typeface="Arial"/>
+                <a:ea typeface="DejaVu Sans"/>
               </a:rPr>
               <a:t>נצחונות בהתמודדות אם אתגרים אמיתים</a:t>
             </a:r>
@@ -4962,7 +5022,7 @@
             </a:endParaRPr>
           </a:p>
           <a:p>
-            <a:pPr marL="432000" indent="-323640" algn="r" rtl="1">
+            <a:pPr marL="432000" indent="-323280" algn="r" rtl="1">
               <a:lnSpc>
                 <a:spcPct val="100000"/>
               </a:lnSpc>
@@ -4982,15 +5042,47 @@
                   <a:srgbClr val="ffffff"/>
                 </a:solidFill>
                 <a:latin typeface="Arial"/>
-              </a:rPr>
-              <a:t>טעימה של איך טכנולוגיה עובדת</a:t>
+                <a:ea typeface="DejaVu Sans"/>
+              </a:rPr>
+              <a:t>הטפה לרעיונות ה- </a:t>
+            </a:r>
+            <a:r>
+              <a:rPr b="0" lang="en-US" sz="3600" spc="-1" strike="noStrike">
+                <a:solidFill>
+                  <a:srgbClr val="ffffff"/>
+                </a:solidFill>
+                <a:latin typeface="Arial"/>
+                <a:ea typeface="DejaVu Sans"/>
+              </a:rPr>
+              <a:t>Open Source</a:t>
+            </a:r>
+            <a:br/>
+            <a:r>
+              <a:rPr b="0" lang="en-US" sz="3600" spc="-1" strike="noStrike">
+                <a:solidFill>
+                  <a:srgbClr val="ffffff"/>
+                </a:solidFill>
+                <a:latin typeface="Arial"/>
+                <a:ea typeface="DejaVu Sans"/>
+              </a:rPr>
+              <a:t> כולל הטפה ל- </a:t>
+            </a:r>
+            <a:r>
+              <a:rPr b="0" lang="en-US" sz="3600" spc="-1" strike="noStrike">
+                <a:solidFill>
+                  <a:srgbClr val="ffffff"/>
+                </a:solidFill>
+                <a:latin typeface="Arial"/>
+                <a:ea typeface="DejaVu Sans"/>
+              </a:rPr>
+              <a:t>Linux</a:t>
             </a:r>
             <a:endParaRPr b="0" lang="en-US" sz="3600" spc="-1" strike="noStrike">
               <a:latin typeface="Arial"/>
             </a:endParaRPr>
           </a:p>
           <a:p>
-            <a:pPr marL="432000" indent="-323640" algn="r" rtl="1">
+            <a:pPr marL="432000" indent="-323280" algn="r" rtl="1">
               <a:lnSpc>
                 <a:spcPct val="100000"/>
               </a:lnSpc>
@@ -5010,8 +5102,9 @@
                   <a:srgbClr val="ffffff"/>
                 </a:solidFill>
                 <a:latin typeface="Arial"/>
-              </a:rPr>
-              <a:t>הטפה לרעיונות ה- </a:t>
+                <a:ea typeface="DejaVu Sans"/>
+              </a:rPr>
+              <a:t>לקרב בנות ל- </a:t>
             </a:r>
             <a:r>
               <a:rPr b="0" lang="en-US" sz="3600" spc="-1" strike="noStrike">
@@ -5019,62 +5112,7 @@
                   <a:srgbClr val="ffffff"/>
                 </a:solidFill>
                 <a:latin typeface="Arial"/>
-              </a:rPr>
-              <a:t>Open Source</a:t>
-            </a:r>
-            <a:br/>
-            <a:r>
-              <a:rPr b="0" lang="en-US" sz="3600" spc="-1" strike="noStrike">
-                <a:solidFill>
-                  <a:srgbClr val="ffffff"/>
-                </a:solidFill>
-                <a:latin typeface="Arial"/>
-              </a:rPr>
-              <a:t> כולל הטפה ל- </a:t>
-            </a:r>
-            <a:r>
-              <a:rPr b="0" lang="en-US" sz="3600" spc="-1" strike="noStrike">
-                <a:solidFill>
-                  <a:srgbClr val="ffffff"/>
-                </a:solidFill>
-                <a:latin typeface="Arial"/>
-              </a:rPr>
-              <a:t>Linux</a:t>
-            </a:r>
-            <a:endParaRPr b="0" lang="en-US" sz="3600" spc="-1" strike="noStrike">
-              <a:latin typeface="Arial"/>
-            </a:endParaRPr>
-          </a:p>
-          <a:p>
-            <a:pPr marL="432000" indent="-323640" algn="r" rtl="1">
-              <a:lnSpc>
-                <a:spcPct val="100000"/>
-              </a:lnSpc>
-              <a:spcAft>
-                <a:spcPts val="1417"/>
-              </a:spcAft>
-              <a:buClr>
-                <a:srgbClr val="ffffff"/>
-              </a:buClr>
-              <a:buSzPct val="45000"/>
-              <a:buFont typeface="Wingdings" charset="2"/>
-              <a:buChar char=""/>
-            </a:pPr>
-            <a:r>
-              <a:rPr b="0" lang="en-US" sz="3600" spc="-1" strike="noStrike">
-                <a:solidFill>
-                  <a:srgbClr val="ffffff"/>
-                </a:solidFill>
-                <a:latin typeface="Arial"/>
-              </a:rPr>
-              <a:t>לקרב בנות ל- </a:t>
-            </a:r>
-            <a:r>
-              <a:rPr b="0" lang="en-US" sz="3600" spc="-1" strike="noStrike">
-                <a:solidFill>
-                  <a:srgbClr val="ffffff"/>
-                </a:solidFill>
-                <a:latin typeface="Arial"/>
+                <a:ea typeface="DejaVu Sans"/>
               </a:rPr>
               <a:t>STEM</a:t>
             </a:r>
@@ -5142,7 +5180,7 @@
         <p:spPr>
           <a:xfrm>
             <a:off x="504000" y="850320"/>
-            <a:ext cx="9071280" cy="1171800"/>
+            <a:ext cx="9070920" cy="1171440"/>
           </a:xfrm>
           <a:prstGeom prst="rect">
             <a:avLst/>
@@ -5172,6 +5210,7 @@
                   <a:srgbClr val="ffffff"/>
                 </a:solidFill>
                 <a:latin typeface="Arial"/>
+                <a:ea typeface="DejaVu Sans"/>
               </a:rPr>
               <a:t>עשיה</a:t>
             </a:r>
@@ -5190,7 +5229,7 @@
         <p:spPr>
           <a:xfrm>
             <a:off x="504000" y="2273040"/>
-            <a:ext cx="9071280" cy="4784400"/>
+            <a:ext cx="9070920" cy="4784040"/>
           </a:xfrm>
           <a:prstGeom prst="rect">
             <a:avLst/>
@@ -5209,7 +5248,7 @@
         <p:txBody>
           <a:bodyPr lIns="0" rIns="0" tIns="0" bIns="0"/>
           <a:p>
-            <a:pPr marL="432000" indent="-323640" algn="r" rtl="1">
+            <a:pPr marL="432000" indent="-323280" algn="r" rtl="1">
               <a:lnSpc>
                 <a:spcPct val="100000"/>
               </a:lnSpc>
@@ -5229,6 +5268,7 @@
                   <a:srgbClr val="ffffff"/>
                 </a:solidFill>
                 <a:latin typeface="Arial"/>
+                <a:ea typeface="DejaVu Sans"/>
               </a:rPr>
               <a:t>שעה וחצי, פעם בשבוע, כיתות ז עד י</a:t>
             </a:r>
@@ -5237,7 +5277,7 @@
             </a:endParaRPr>
           </a:p>
           <a:p>
-            <a:pPr marL="432000" indent="-323640" algn="r" rtl="1">
+            <a:pPr marL="432000" indent="-323280" algn="r" rtl="1">
               <a:lnSpc>
                 <a:spcPct val="100000"/>
               </a:lnSpc>
@@ -5257,6 +5297,7 @@
                   <a:srgbClr val="ffffff"/>
                 </a:solidFill>
                 <a:latin typeface="Arial"/>
+                <a:ea typeface="DejaVu Sans"/>
               </a:rPr>
               <a:t>קורס בסיסי: אלקטרוניקה ובנית רובוט</a:t>
             </a:r>
@@ -5265,7 +5306,7 @@
             </a:endParaRPr>
           </a:p>
           <a:p>
-            <a:pPr marL="432000" indent="-323640" algn="r" rtl="1">
+            <a:pPr marL="432000" indent="-323280" algn="r" rtl="1">
               <a:lnSpc>
                 <a:spcPct val="100000"/>
               </a:lnSpc>
@@ -5285,6 +5326,7 @@
                   <a:srgbClr val="ffffff"/>
                 </a:solidFill>
                 <a:latin typeface="Arial"/>
+                <a:ea typeface="DejaVu Sans"/>
               </a:rPr>
               <a:t>קורס מתקדם: תכנות הרובוט וראית מכונה</a:t>
             </a:r>
@@ -5293,7 +5335,7 @@
             </a:endParaRPr>
           </a:p>
           <a:p>
-            <a:pPr marL="432000" indent="-323640" algn="r" rtl="1">
+            <a:pPr marL="432000" indent="-323280" algn="r" rtl="1">
               <a:lnSpc>
                 <a:spcPct val="100000"/>
               </a:lnSpc>
@@ -5313,6 +5355,7 @@
                   <a:srgbClr val="ffffff"/>
                 </a:solidFill>
                 <a:latin typeface="Arial"/>
+                <a:ea typeface="DejaVu Sans"/>
               </a:rPr>
               <a:t>סביבה “חצי אפויה” -- כמו בחיים</a:t>
             </a:r>
@@ -5321,7 +5364,7 @@
             </a:endParaRPr>
           </a:p>
           <a:p>
-            <a:pPr marL="432000" indent="-323640" algn="r" rtl="1">
+            <a:pPr marL="432000" indent="-323280" algn="r" rtl="1">
               <a:lnSpc>
                 <a:spcPct val="100000"/>
               </a:lnSpc>
@@ -5341,6 +5384,7 @@
                   <a:srgbClr val="ffffff"/>
                 </a:solidFill>
                 <a:latin typeface="Arial"/>
+                <a:ea typeface="DejaVu Sans"/>
               </a:rPr>
               <a:t>בסוף הקורס: רובוט לקחת הביתה</a:t>
             </a:r>
@@ -5349,7 +5393,7 @@
             </a:endParaRPr>
           </a:p>
           <a:p>
-            <a:pPr marL="432000" indent="-323640" algn="r" rtl="1">
+            <a:pPr marL="432000" indent="-323280" algn="r" rtl="1">
               <a:lnSpc>
                 <a:spcPct val="100000"/>
               </a:lnSpc>
@@ -5369,6 +5413,7 @@
                   <a:srgbClr val="ffffff"/>
                 </a:solidFill>
                 <a:latin typeface="Arial"/>
+                <a:ea typeface="DejaVu Sans"/>
               </a:rPr>
               <a:t>חומרי הקורס ב- </a:t>
             </a:r>
@@ -5378,6 +5423,7 @@
                   <a:srgbClr val="ffffff"/>
                 </a:solidFill>
                 <a:latin typeface="Arial"/>
+                <a:ea typeface="DejaVu Sans"/>
               </a:rPr>
               <a:t>github</a:t>
             </a:r>
@@ -5386,7 +5432,7 @@
             </a:endParaRPr>
           </a:p>
           <a:p>
-            <a:pPr marL="432000" indent="-323640" algn="r" rtl="1">
+            <a:pPr marL="432000" indent="-323280" algn="r" rtl="1">
               <a:lnSpc>
                 <a:spcPct val="100000"/>
               </a:lnSpc>
@@ -5406,6 +5452,7 @@
                   <a:srgbClr val="ffffff"/>
                 </a:solidFill>
                 <a:latin typeface="Arial"/>
+                <a:ea typeface="DejaVu Sans"/>
               </a:rPr>
               <a:t>junior_high_robotics_course</a:t>
             </a:r>
@@ -5473,7 +5520,7 @@
         <p:spPr>
           <a:xfrm>
             <a:off x="504000" y="850320"/>
-            <a:ext cx="9071280" cy="1171800"/>
+            <a:ext cx="9070920" cy="1171440"/>
           </a:xfrm>
           <a:prstGeom prst="rect">
             <a:avLst/>
@@ -5503,6 +5550,7 @@
                   <a:srgbClr val="ffffff"/>
                 </a:solidFill>
                 <a:latin typeface="Arial"/>
+                <a:ea typeface="DejaVu Sans"/>
               </a:rPr>
               <a:t>עשיה:  השיעור</a:t>
             </a:r>
@@ -5521,7 +5569,7 @@
         <p:spPr>
           <a:xfrm>
             <a:off x="529560" y="2286000"/>
-            <a:ext cx="9071280" cy="4800240"/>
+            <a:ext cx="9070920" cy="4799880"/>
           </a:xfrm>
           <a:prstGeom prst="rect">
             <a:avLst/>
@@ -5540,7 +5588,7 @@
         <p:txBody>
           <a:bodyPr lIns="0" rIns="0" tIns="0" bIns="0"/>
           <a:p>
-            <a:pPr marL="432000" indent="-323640" algn="r" rtl="1">
+            <a:pPr marL="432000" indent="-323280" algn="r" rtl="1">
               <a:lnSpc>
                 <a:spcPct val="100000"/>
               </a:lnSpc>
@@ -5560,6 +5608,7 @@
                   <a:srgbClr val="ffffff"/>
                 </a:solidFill>
                 <a:latin typeface="Arial"/>
+                <a:ea typeface="DejaVu Sans"/>
               </a:rPr>
               <a:t>מבנה השיעור:</a:t>
             </a:r>
@@ -5568,7 +5617,7 @@
             </a:endParaRPr>
           </a:p>
           <a:p>
-            <a:pPr lvl="1" marL="864000" indent="-323640" algn="r" rtl="1">
+            <a:pPr lvl="1" marL="864000" indent="-323280" algn="r" rtl="1">
               <a:lnSpc>
                 <a:spcPct val="100000"/>
               </a:lnSpc>
@@ -5588,6 +5637,7 @@
                   <a:srgbClr val="ffffff"/>
                 </a:solidFill>
                 <a:latin typeface="Arial"/>
+                <a:ea typeface="DejaVu Sans"/>
               </a:rPr>
               <a:t>10%</a:t>
             </a:r>
@@ -5597,6 +5647,7 @@
                   <a:srgbClr val="ffffff"/>
                 </a:solidFill>
                 <a:latin typeface="Arial"/>
+                <a:ea typeface="DejaVu Sans"/>
               </a:rPr>
               <a:t>: הצגת המטרה והסבר קצר</a:t>
             </a:r>
@@ -5605,7 +5656,7 @@
             </a:endParaRPr>
           </a:p>
           <a:p>
-            <a:pPr lvl="1" marL="864000" indent="-323640" algn="r" rtl="1">
+            <a:pPr lvl="1" marL="864000" indent="-323280" algn="r" rtl="1">
               <a:lnSpc>
                 <a:spcPct val="100000"/>
               </a:lnSpc>
@@ -5625,6 +5676,7 @@
                   <a:srgbClr val="ffffff"/>
                 </a:solidFill>
                 <a:latin typeface="Arial"/>
+                <a:ea typeface="DejaVu Sans"/>
               </a:rPr>
               <a:t>90%</a:t>
             </a:r>
@@ -5634,6 +5686,7 @@
                   <a:srgbClr val="ffffff"/>
                 </a:solidFill>
                 <a:latin typeface="Arial"/>
+                <a:ea typeface="DejaVu Sans"/>
               </a:rPr>
               <a:t>: עבודה עצמית – המורה כ- </a:t>
             </a:r>
@@ -5643,6 +5696,7 @@
                   <a:srgbClr val="ffffff"/>
                 </a:solidFill>
                 <a:latin typeface="Arial"/>
+                <a:ea typeface="DejaVu Sans"/>
               </a:rPr>
               <a:t>enabler</a:t>
             </a:r>
@@ -5651,7 +5705,7 @@
             </a:endParaRPr>
           </a:p>
           <a:p>
-            <a:pPr marL="432000" indent="-323640" algn="r" rtl="1">
+            <a:pPr marL="432000" indent="-323280" algn="r" rtl="1">
               <a:lnSpc>
                 <a:spcPct val="100000"/>
               </a:lnSpc>
@@ -5671,15 +5725,16 @@
                   <a:srgbClr val="ffffff"/>
                 </a:solidFill>
                 <a:latin typeface="Arial"/>
-              </a:rPr>
-              <a:t>שימוש בכלים “אמיתים”</a:t>
+                <a:ea typeface="DejaVu Sans"/>
+              </a:rPr>
+              <a:t>שימוש בכלים “מהעולם האמיתי”</a:t>
             </a:r>
             <a:endParaRPr b="0" lang="en-US" sz="3600" spc="-1" strike="noStrike">
               <a:latin typeface="Arial"/>
             </a:endParaRPr>
           </a:p>
           <a:p>
-            <a:pPr marL="432000" indent="-323640" algn="r" rtl="1">
+            <a:pPr marL="432000" indent="-323280" algn="r" rtl="1">
               <a:lnSpc>
                 <a:spcPct val="100000"/>
               </a:lnSpc>
@@ -5699,6 +5754,7 @@
                   <a:srgbClr val="ffffff"/>
                 </a:solidFill>
                 <a:latin typeface="Arial"/>
+                <a:ea typeface="DejaVu Sans"/>
               </a:rPr>
               <a:t>עידוד פרויקטים עצמיים</a:t>
             </a:r>
@@ -5707,7 +5763,7 @@
             </a:endParaRPr>
           </a:p>
           <a:p>
-            <a:pPr marL="432000" indent="-323640" algn="r" rtl="1">
+            <a:pPr marL="432000" indent="-323280" algn="r" rtl="1">
               <a:lnSpc>
                 <a:spcPct val="100000"/>
               </a:lnSpc>
@@ -5727,6 +5783,7 @@
                   <a:srgbClr val="ffffff"/>
                 </a:solidFill>
                 <a:latin typeface="Arial"/>
+                <a:ea typeface="DejaVu Sans"/>
               </a:rPr>
               <a:t>המורה לא כל יודע</a:t>
             </a:r>
@@ -5735,7 +5792,7 @@
             </a:endParaRPr>
           </a:p>
           <a:p>
-            <a:pPr marL="432000" indent="-323640" algn="r" rtl="1">
+            <a:pPr marL="432000" indent="-323280" algn="r" rtl="1">
               <a:lnSpc>
                 <a:spcPct val="100000"/>
               </a:lnSpc>
@@ -5755,6 +5812,7 @@
                   <a:srgbClr val="ffffff"/>
                 </a:solidFill>
                 <a:latin typeface="Arial"/>
+                <a:ea typeface="DejaVu Sans"/>
               </a:rPr>
               <a:t>עידוד עזרה הדדית, ואחריות</a:t>
             </a:r>
@@ -5822,7 +5880,7 @@
         <p:spPr>
           <a:xfrm>
             <a:off x="504000" y="850320"/>
-            <a:ext cx="9071280" cy="1171800"/>
+            <a:ext cx="9070920" cy="1171440"/>
           </a:xfrm>
           <a:prstGeom prst="rect">
             <a:avLst/>
@@ -5852,6 +5910,7 @@
                   <a:srgbClr val="ffffff"/>
                 </a:solidFill>
                 <a:latin typeface="Arial"/>
+                <a:ea typeface="DejaVu Sans"/>
               </a:rPr>
               <a:t>יתרונות</a:t>
             </a:r>
@@ -5870,7 +5929,7 @@
         <p:spPr>
           <a:xfrm>
             <a:off x="504000" y="2273040"/>
-            <a:ext cx="9071280" cy="4804560"/>
+            <a:ext cx="9070920" cy="4804200"/>
           </a:xfrm>
           <a:prstGeom prst="rect">
             <a:avLst/>
@@ -5889,7 +5948,7 @@
         <p:txBody>
           <a:bodyPr lIns="0" rIns="0" tIns="0" bIns="0"/>
           <a:p>
-            <a:pPr marL="432000" indent="-323640" algn="r" rtl="1">
+            <a:pPr marL="432000" indent="-323280" algn="r" rtl="1">
               <a:lnSpc>
                 <a:spcPct val="100000"/>
               </a:lnSpc>
@@ -5909,6 +5968,7 @@
                   <a:srgbClr val="ffffff"/>
                 </a:solidFill>
                 <a:latin typeface="Arial"/>
+                <a:ea typeface="DejaVu Sans"/>
               </a:rPr>
               <a:t>התלמידים נהנים</a:t>
             </a:r>
@@ -5917,7 +5977,7 @@
             </a:endParaRPr>
           </a:p>
           <a:p>
-            <a:pPr marL="432000" indent="-323640" algn="r" rtl="1">
+            <a:pPr marL="432000" indent="-323280" algn="r" rtl="1">
               <a:lnSpc>
                 <a:spcPct val="100000"/>
               </a:lnSpc>
@@ -5937,6 +5997,7 @@
                   <a:srgbClr val="ffffff"/>
                 </a:solidFill>
                 <a:latin typeface="Arial"/>
+                <a:ea typeface="DejaVu Sans"/>
               </a:rPr>
               <a:t>המורה נהנה</a:t>
             </a:r>
@@ -5945,7 +6006,7 @@
             </a:endParaRPr>
           </a:p>
           <a:p>
-            <a:pPr marL="432000" indent="-323640" algn="r" rtl="1">
+            <a:pPr marL="432000" indent="-323280" algn="r" rtl="1">
               <a:lnSpc>
                 <a:spcPct val="100000"/>
               </a:lnSpc>
@@ -5965,6 +6026,7 @@
                   <a:srgbClr val="ffffff"/>
                 </a:solidFill>
                 <a:latin typeface="Arial"/>
+                <a:ea typeface="DejaVu Sans"/>
               </a:rPr>
               <a:t>יותר תלמידים ילמדו ויעבדו בהי-טק ???</a:t>
             </a:r>
@@ -5973,7 +6035,7 @@
             </a:endParaRPr>
           </a:p>
           <a:p>
-            <a:pPr marL="432000" indent="-323640" algn="r" rtl="1">
+            <a:pPr marL="432000" indent="-323280" algn="r" rtl="1">
               <a:lnSpc>
                 <a:spcPct val="100000"/>
               </a:lnSpc>
@@ -5993,6 +6055,7 @@
                   <a:srgbClr val="ffffff"/>
                 </a:solidFill>
                 <a:latin typeface="Arial"/>
+                <a:ea typeface="DejaVu Sans"/>
               </a:rPr>
               <a:t>אורינות טכנולוגית משופרת ?</a:t>
             </a:r>
@@ -6001,7 +6064,7 @@
             </a:endParaRPr>
           </a:p>
           <a:p>
-            <a:pPr marL="432000" indent="-323640" algn="r" rtl="1">
+            <a:pPr marL="432000" indent="-323280" algn="r" rtl="1">
               <a:lnSpc>
                 <a:spcPct val="100000"/>
               </a:lnSpc>
@@ -6021,6 +6084,7 @@
                   <a:srgbClr val="ffffff"/>
                 </a:solidFill>
                 <a:latin typeface="Arial"/>
+                <a:ea typeface="DejaVu Sans"/>
               </a:rPr>
               <a:t>קרוב בנות ל- </a:t>
             </a:r>
@@ -6030,6 +6094,7 @@
                   <a:srgbClr val="ffffff"/>
                 </a:solidFill>
                 <a:latin typeface="Arial"/>
+                <a:ea typeface="DejaVu Sans"/>
               </a:rPr>
               <a:t>STEM</a:t>
             </a:r>
@@ -6039,6 +6104,7 @@
                   <a:srgbClr val="ffffff"/>
                 </a:solidFill>
                 <a:latin typeface="Arial"/>
+                <a:ea typeface="DejaVu Sans"/>
               </a:rPr>
               <a:t> ?</a:t>
             </a:r>
@@ -6047,7 +6113,7 @@
             </a:endParaRPr>
           </a:p>
           <a:p>
-            <a:pPr marL="432000" indent="-323640" algn="r" rtl="1">
+            <a:pPr marL="432000" indent="-323280" algn="r" rtl="1">
               <a:lnSpc>
                 <a:spcPct val="100000"/>
               </a:lnSpc>
@@ -6067,6 +6133,7 @@
                   <a:srgbClr val="ffffff"/>
                 </a:solidFill>
                 <a:latin typeface="Arial"/>
+                <a:ea typeface="DejaVu Sans"/>
               </a:rPr>
               <a:t>לימוד וחקר כהנאה  - חוויה מתקנת ?</a:t>
             </a:r>
@@ -6075,7 +6142,7 @@
             </a:endParaRPr>
           </a:p>
           <a:p>
-            <a:pPr marL="432000" indent="-323640" algn="r" rtl="1">
+            <a:pPr marL="432000" indent="-323280" algn="r" rtl="1">
               <a:lnSpc>
                 <a:spcPct val="100000"/>
               </a:lnSpc>
@@ -6095,6 +6162,7 @@
                   <a:srgbClr val="ffffff"/>
                 </a:solidFill>
                 <a:latin typeface="Arial"/>
+                <a:ea typeface="DejaVu Sans"/>
               </a:rPr>
               <a:t>מקום לשונות</a:t>
             </a:r>
@@ -6162,7 +6230,7 @@
         <p:spPr>
           <a:xfrm>
             <a:off x="504000" y="850320"/>
-            <a:ext cx="9071280" cy="1171800"/>
+            <a:ext cx="9070920" cy="1171440"/>
           </a:xfrm>
           <a:prstGeom prst="rect">
             <a:avLst/>
@@ -6192,6 +6260,7 @@
                   <a:srgbClr val="ffffff"/>
                 </a:solidFill>
                 <a:latin typeface="Arial"/>
+                <a:ea typeface="DejaVu Sans"/>
               </a:rPr>
               <a:t>חסרונות</a:t>
             </a:r>
@@ -6210,7 +6279,7 @@
         <p:spPr>
           <a:xfrm>
             <a:off x="504000" y="2273040"/>
-            <a:ext cx="9071280" cy="3717000"/>
+            <a:ext cx="9070920" cy="3716640"/>
           </a:xfrm>
           <a:prstGeom prst="rect">
             <a:avLst/>
@@ -6229,7 +6298,7 @@
         <p:txBody>
           <a:bodyPr lIns="0" rIns="0" tIns="0" bIns="0"/>
           <a:p>
-            <a:pPr marL="432000" indent="-323640" algn="r" rtl="1">
+            <a:pPr marL="432000" indent="-323280" algn="r" rtl="1">
               <a:lnSpc>
                 <a:spcPct val="100000"/>
               </a:lnSpc>
@@ -6249,6 +6318,7 @@
                   <a:srgbClr val="ffffff"/>
                 </a:solidFill>
                 <a:latin typeface="Arial"/>
+                <a:ea typeface="DejaVu Sans"/>
               </a:rPr>
               <a:t>לא כולם מבינים (כולל המורה)</a:t>
             </a:r>
@@ -6257,7 +6327,7 @@
             </a:endParaRPr>
           </a:p>
           <a:p>
-            <a:pPr lvl="1" marL="864000" indent="-323640" algn="r" rtl="1">
+            <a:pPr lvl="1" marL="864000" indent="-323280" algn="r" rtl="1">
               <a:lnSpc>
                 <a:spcPct val="100000"/>
               </a:lnSpc>
@@ -6277,6 +6347,7 @@
                   <a:srgbClr val="ffffff"/>
                 </a:solidFill>
                 <a:latin typeface="Arial"/>
+                <a:ea typeface="DejaVu Sans"/>
               </a:rPr>
               <a:t>כמו בעולם האמיתי</a:t>
             </a:r>
@@ -6285,7 +6356,7 @@
             </a:endParaRPr>
           </a:p>
           <a:p>
-            <a:pPr marL="432000" indent="-323640" algn="r" rtl="1">
+            <a:pPr marL="432000" indent="-323280" algn="r" rtl="1">
               <a:lnSpc>
                 <a:spcPct val="100000"/>
               </a:lnSpc>
@@ -6305,6 +6376,7 @@
                   <a:srgbClr val="ffffff"/>
                 </a:solidFill>
                 <a:latin typeface="Arial"/>
+                <a:ea typeface="DejaVu Sans"/>
               </a:rPr>
               <a:t>מעבר על פני השטח</a:t>
             </a:r>
@@ -6313,7 +6385,7 @@
             </a:endParaRPr>
           </a:p>
           <a:p>
-            <a:pPr marL="432000" indent="-323640" algn="r" rtl="1">
+            <a:pPr marL="432000" indent="-323280" algn="r" rtl="1">
               <a:lnSpc>
                 <a:spcPct val="100000"/>
               </a:lnSpc>
@@ -6333,6 +6405,7 @@
                   <a:srgbClr val="ffffff"/>
                 </a:solidFill>
                 <a:latin typeface="Arial"/>
+                <a:ea typeface="DejaVu Sans"/>
               </a:rPr>
               <a:t>לא כולם מצליחים</a:t>
             </a:r>
@@ -6341,7 +6414,7 @@
             </a:endParaRPr>
           </a:p>
           <a:p>
-            <a:pPr marL="432000" indent="-323640" algn="r" rtl="1">
+            <a:pPr marL="432000" indent="-323280" algn="r" rtl="1">
               <a:lnSpc>
                 <a:spcPct val="100000"/>
               </a:lnSpc>
@@ -6361,6 +6434,7 @@
                   <a:srgbClr val="ffffff"/>
                 </a:solidFill>
                 <a:latin typeface="Arial"/>
+                <a:ea typeface="DejaVu Sans"/>
               </a:rPr>
               <a:t>דורשני ולא סלחני לחיסורים</a:t>
             </a:r>

--- a/documents_presentations/advocating_technology_at_junior_high_Hebrew.pptx
+++ b/documents_presentations/advocating_technology_at_junior_high_Hebrew.pptx
@@ -137,7 +137,7 @@
               <a:rPr b="0" lang="en-US" sz="1400" spc="-1" strike="noStrike">
                 <a:latin typeface="Times New Roman"/>
               </a:rPr>
-              <a:t> </a:t>
+              <a:t>&lt;header&gt;</a:t>
             </a:r>
             <a:endParaRPr b="0" lang="en-US" sz="1400" spc="-1" strike="noStrike">
               <a:latin typeface="Times New Roman"/>
@@ -172,7 +172,7 @@
               <a:rPr b="0" lang="en-US" sz="1400" spc="-1" strike="noStrike">
                 <a:latin typeface="Times New Roman"/>
               </a:rPr>
-              <a:t> </a:t>
+              <a:t>&lt;date/time&gt;</a:t>
             </a:r>
             <a:endParaRPr b="0" lang="en-US" sz="1400" spc="-1" strike="noStrike">
               <a:latin typeface="Times New Roman"/>
@@ -206,7 +206,7 @@
               <a:rPr b="0" lang="en-US" sz="1400" spc="-1" strike="noStrike">
                 <a:latin typeface="Times New Roman"/>
               </a:rPr>
-              <a:t> </a:t>
+              <a:t>&lt;footer&gt;</a:t>
             </a:r>
             <a:endParaRPr b="0" lang="en-US" sz="1400" spc="-1" strike="noStrike">
               <a:latin typeface="Times New Roman"/>
@@ -237,7 +237,7 @@
           <a:bodyPr lIns="0" rIns="0" tIns="0" bIns="0" anchor="b"/>
           <a:p>
             <a:pPr algn="r"/>
-            <a:fld id="{7B1DAA91-3A44-42CF-867E-0A86BA57AC56}" type="slidenum">
+            <a:fld id="{9EBF3BEE-184C-4EA3-85E9-F64F705A6181}" type="slidenum">
               <a:rPr b="0" lang="en-US" sz="1400" spc="-1" strike="noStrike">
                 <a:latin typeface="Times New Roman"/>
               </a:rPr>
@@ -285,7 +285,7 @@
         <p:spPr>
           <a:xfrm>
             <a:off x="1372320" y="800640"/>
-            <a:ext cx="5027760" cy="3770640"/>
+            <a:ext cx="5027400" cy="3770280"/>
           </a:xfrm>
           <a:prstGeom prst="rect">
             <a:avLst/>
@@ -305,7 +305,7 @@
         <p:spPr>
           <a:xfrm>
             <a:off x="777240" y="4777560"/>
-            <a:ext cx="6216840" cy="4435200"/>
+            <a:ext cx="6216480" cy="4434840"/>
           </a:xfrm>
           <a:prstGeom prst="rect">
             <a:avLst/>
@@ -314,7 +314,7 @@
         <p:txBody>
           <a:bodyPr lIns="0" rIns="0" tIns="0" bIns="0"/>
           <a:p>
-            <a:pPr marL="216000" indent="-215640">
+            <a:pPr marL="216000" indent="-215280">
               <a:lnSpc>
                 <a:spcPct val="100000"/>
               </a:lnSpc>
@@ -330,7 +330,7 @@
             </a:endParaRPr>
           </a:p>
           <a:p>
-            <a:pPr marL="216000" indent="-215640">
+            <a:pPr marL="216000" indent="-215280">
               <a:lnSpc>
                 <a:spcPct val="100000"/>
               </a:lnSpc>
@@ -352,7 +352,7 @@
             </a:endParaRPr>
           </a:p>
           <a:p>
-            <a:pPr marL="216000" indent="-215640">
+            <a:pPr marL="216000" indent="-215280">
               <a:lnSpc>
                 <a:spcPct val="100000"/>
               </a:lnSpc>
@@ -374,7 +374,7 @@
             </a:endParaRPr>
           </a:p>
           <a:p>
-            <a:pPr marL="216000" indent="-215640">
+            <a:pPr marL="216000" indent="-215280">
               <a:lnSpc>
                 <a:spcPct val="100000"/>
               </a:lnSpc>
@@ -396,7 +396,7 @@
             </a:endParaRPr>
           </a:p>
           <a:p>
-            <a:pPr marL="216000" indent="-215640">
+            <a:pPr marL="216000" indent="-215280">
               <a:lnSpc>
                 <a:spcPct val="100000"/>
               </a:lnSpc>
@@ -418,7 +418,7 @@
             </a:endParaRPr>
           </a:p>
           <a:p>
-            <a:pPr marL="216000" indent="-215640">
+            <a:pPr marL="216000" indent="-215280">
               <a:lnSpc>
                 <a:spcPct val="100000"/>
               </a:lnSpc>
@@ -440,7 +440,7 @@
             </a:endParaRPr>
           </a:p>
           <a:p>
-            <a:pPr marL="216000" indent="-215640">
+            <a:pPr marL="216000" indent="-215280">
               <a:lnSpc>
                 <a:spcPct val="100000"/>
               </a:lnSpc>
@@ -462,7 +462,7 @@
             </a:endParaRPr>
           </a:p>
           <a:p>
-            <a:pPr marL="216000" indent="-215640">
+            <a:pPr marL="216000" indent="-215280">
               <a:lnSpc>
                 <a:spcPct val="100000"/>
               </a:lnSpc>
@@ -484,7 +484,7 @@
             </a:endParaRPr>
           </a:p>
           <a:p>
-            <a:pPr marL="216000" indent="-215640">
+            <a:pPr marL="216000" indent="-215280">
               <a:lnSpc>
                 <a:spcPct val="100000"/>
               </a:lnSpc>
@@ -3215,8 +3215,8 @@
         </p:nvSpPr>
         <p:spPr>
           <a:xfrm>
-            <a:off x="504000" y="805320"/>
-            <a:ext cx="9070920" cy="1261440"/>
+            <a:off x="504000" y="301320"/>
+            <a:ext cx="9072000" cy="1261800"/>
           </a:xfrm>
           <a:prstGeom prst="rect">
             <a:avLst/>
@@ -3225,13 +3225,14 @@
         <p:txBody>
           <a:bodyPr lIns="0" rIns="0" tIns="0" bIns="0" anchor="ctr"/>
           <a:p>
-            <a:r>
-              <a:rPr b="0" lang="en-US" sz="1800" spc="-1" strike="noStrike">
+            <a:pPr algn="ctr"/>
+            <a:r>
+              <a:rPr b="0" lang="en-US" sz="4400" spc="-1" strike="noStrike">
                 <a:latin typeface="Arial"/>
               </a:rPr>
               <a:t>Click to edit the title text format</a:t>
             </a:r>
-            <a:endParaRPr b="0" lang="en-US" sz="1800" spc="-1" strike="noStrike">
+            <a:endParaRPr b="0" lang="en-US" sz="4400" spc="-1" strike="noStrike">
               <a:latin typeface="Arial"/>
             </a:endParaRPr>
           </a:p>
@@ -3249,8 +3250,8 @@
         </p:nvSpPr>
         <p:spPr>
           <a:xfrm>
-            <a:off x="504000" y="2273040"/>
-            <a:ext cx="9070920" cy="3716640"/>
+            <a:off x="504000" y="1768680"/>
+            <a:ext cx="9072000" cy="4384080"/>
           </a:xfrm>
           <a:prstGeom prst="rect">
             <a:avLst/>
@@ -3273,12 +3274,12 @@
               <a:buChar char=""/>
             </a:pPr>
             <a:r>
-              <a:rPr b="0" lang="en-US" sz="1800" spc="-1" strike="noStrike">
+              <a:rPr b="0" lang="en-US" sz="3200" spc="-1" strike="noStrike">
                 <a:latin typeface="Arial"/>
               </a:rPr>
               <a:t>Click to edit the outline text format</a:t>
             </a:r>
-            <a:endParaRPr b="0" lang="en-US" sz="1800" spc="-1" strike="noStrike">
+            <a:endParaRPr b="0" lang="en-US" sz="3200" spc="-1" strike="noStrike">
               <a:latin typeface="Arial"/>
             </a:endParaRPr>
           </a:p>
@@ -3295,12 +3296,12 @@
               <a:buChar char=""/>
             </a:pPr>
             <a:r>
-              <a:rPr b="0" lang="en-US" sz="1800" spc="-1" strike="noStrike">
+              <a:rPr b="0" lang="en-US" sz="2800" spc="-1" strike="noStrike">
                 <a:latin typeface="Arial"/>
               </a:rPr>
               <a:t>Second Outline Level</a:t>
             </a:r>
-            <a:endParaRPr b="0" lang="en-US" sz="1800" spc="-1" strike="noStrike">
+            <a:endParaRPr b="0" lang="en-US" sz="2800" spc="-1" strike="noStrike">
               <a:latin typeface="Arial"/>
             </a:endParaRPr>
           </a:p>
@@ -3317,12 +3318,12 @@
               <a:buChar char=""/>
             </a:pPr>
             <a:r>
-              <a:rPr b="0" lang="en-US" sz="1800" spc="-1" strike="noStrike">
+              <a:rPr b="0" lang="en-US" sz="2400" spc="-1" strike="noStrike">
                 <a:latin typeface="Arial"/>
               </a:rPr>
               <a:t>Third Outline Level</a:t>
             </a:r>
-            <a:endParaRPr b="0" lang="en-US" sz="1800" spc="-1" strike="noStrike">
+            <a:endParaRPr b="0" lang="en-US" sz="2400" spc="-1" strike="noStrike">
               <a:latin typeface="Arial"/>
             </a:endParaRPr>
           </a:p>
@@ -3339,12 +3340,12 @@
               <a:buChar char=""/>
             </a:pPr>
             <a:r>
-              <a:rPr b="0" lang="en-US" sz="1800" spc="-1" strike="noStrike">
+              <a:rPr b="0" lang="en-US" sz="2000" spc="-1" strike="noStrike">
                 <a:latin typeface="Arial"/>
               </a:rPr>
               <a:t>Fourth Outline Level</a:t>
             </a:r>
-            <a:endParaRPr b="0" lang="en-US" sz="1800" spc="-1" strike="noStrike">
+            <a:endParaRPr b="0" lang="en-US" sz="2000" spc="-1" strike="noStrike">
               <a:latin typeface="Arial"/>
             </a:endParaRPr>
           </a:p>
@@ -3361,12 +3362,12 @@
               <a:buChar char=""/>
             </a:pPr>
             <a:r>
-              <a:rPr b="0" lang="en-US" sz="1800" spc="-1" strike="noStrike">
+              <a:rPr b="0" lang="en-US" sz="2000" spc="-1" strike="noStrike">
                 <a:latin typeface="Arial"/>
               </a:rPr>
               <a:t>Fifth Outline Level</a:t>
             </a:r>
-            <a:endParaRPr b="0" lang="en-US" sz="1800" spc="-1" strike="noStrike">
+            <a:endParaRPr b="0" lang="en-US" sz="2000" spc="-1" strike="noStrike">
               <a:latin typeface="Arial"/>
             </a:endParaRPr>
           </a:p>
@@ -3383,12 +3384,12 @@
               <a:buChar char=""/>
             </a:pPr>
             <a:r>
-              <a:rPr b="0" lang="en-US" sz="1800" spc="-1" strike="noStrike">
+              <a:rPr b="0" lang="en-US" sz="2000" spc="-1" strike="noStrike">
                 <a:latin typeface="Arial"/>
               </a:rPr>
               <a:t>Sixth Outline Level</a:t>
             </a:r>
-            <a:endParaRPr b="0" lang="en-US" sz="1800" spc="-1" strike="noStrike">
+            <a:endParaRPr b="0" lang="en-US" sz="2000" spc="-1" strike="noStrike">
               <a:latin typeface="Arial"/>
             </a:endParaRPr>
           </a:p>
@@ -3405,12 +3406,12 @@
               <a:buChar char=""/>
             </a:pPr>
             <a:r>
-              <a:rPr b="0" lang="en-US" sz="1800" spc="-1" strike="noStrike">
+              <a:rPr b="0" lang="en-US" sz="2000" spc="-1" strike="noStrike">
                 <a:latin typeface="Arial"/>
               </a:rPr>
               <a:t>Seventh Outline Level</a:t>
             </a:r>
-            <a:endParaRPr b="0" lang="en-US" sz="1800" spc="-1" strike="noStrike">
+            <a:endParaRPr b="0" lang="en-US" sz="2000" spc="-1" strike="noStrike">
               <a:latin typeface="Arial"/>
             </a:endParaRPr>
           </a:p>
@@ -3723,7 +3724,7 @@
         <p:spPr>
           <a:xfrm>
             <a:off x="1591200" y="2934000"/>
-            <a:ext cx="7012080" cy="938880"/>
+            <a:ext cx="7011720" cy="938520"/>
           </a:xfrm>
           <a:prstGeom prst="rect">
             <a:avLst/>
@@ -3772,7 +3773,7 @@
         <p:spPr>
           <a:xfrm>
             <a:off x="2286000" y="3934800"/>
-            <a:ext cx="5714280" cy="813600"/>
+            <a:ext cx="5713920" cy="813240"/>
           </a:xfrm>
           <a:prstGeom prst="rect">
             <a:avLst/>
@@ -3880,7 +3881,7 @@
         <p:spPr>
           <a:xfrm>
             <a:off x="504000" y="850320"/>
-            <a:ext cx="9070920" cy="1171440"/>
+            <a:ext cx="9070560" cy="1171080"/>
           </a:xfrm>
           <a:prstGeom prst="rect">
             <a:avLst/>
@@ -3912,7 +3913,7 @@
                 <a:latin typeface="Arial"/>
                 <a:ea typeface="DejaVu Sans"/>
               </a:rPr>
-              <a:t>התנסות</a:t>
+              <a:t>סוף והתחלה</a:t>
             </a:r>
             <a:endParaRPr b="0" lang="en-US" sz="6600" spc="-1" strike="noStrike">
               <a:latin typeface="Arial"/>
@@ -3929,7 +3930,7 @@
         <p:spPr>
           <a:xfrm>
             <a:off x="504000" y="2273040"/>
-            <a:ext cx="9070920" cy="3716640"/>
+            <a:ext cx="9070560" cy="3716280"/>
           </a:xfrm>
           <a:prstGeom prst="rect">
             <a:avLst/>
@@ -3948,7 +3949,7 @@
         <p:txBody>
           <a:bodyPr lIns="0" rIns="0" tIns="0" bIns="0"/>
           <a:p>
-            <a:pPr marL="432000" indent="-323280" algn="r" rtl="1">
+            <a:pPr marL="432000" indent="-322920" algn="r" rtl="1">
               <a:lnSpc>
                 <a:spcPct val="100000"/>
               </a:lnSpc>
@@ -3970,7 +3971,65 @@
                 <a:latin typeface="Arial"/>
                 <a:ea typeface="DejaVu Sans"/>
               </a:rPr>
-              <a:t>לימוד הקס ?</a:t>
+              <a:t>התלמידים מסתכלים על הדפסות התוכנה של הרובוט</a:t>
+            </a:r>
+            <a:endParaRPr b="0" lang="en-US" sz="2200" spc="-1" strike="noStrike">
+              <a:latin typeface="Arial"/>
+            </a:endParaRPr>
+          </a:p>
+          <a:p>
+            <a:pPr marL="432000" indent="-322920" algn="r" rtl="1">
+              <a:lnSpc>
+                <a:spcPct val="100000"/>
+              </a:lnSpc>
+              <a:spcAft>
+                <a:spcPts val="1417"/>
+              </a:spcAft>
+              <a:buClr>
+                <a:srgbClr val="ffffff"/>
+              </a:buClr>
+              <a:buSzPct val="45000"/>
+              <a:buFont typeface="Wingdings" charset="2"/>
+              <a:buChar char=""/>
+            </a:pPr>
+            <a:r>
+              <a:rPr b="0" lang="en-US" sz="2200" spc="-1" strike="noStrike">
+                <a:solidFill>
+                  <a:srgbClr val="ffffff"/>
+                </a:solidFill>
+                <a:latin typeface="Arial"/>
+                <a:ea typeface="DejaVu Sans"/>
+              </a:rPr>
+              <a:t>תלמיד א: איך מתי מתאים שאשתלט על המחשב שלך ונפעיל את המצלמה ? לשנות את זה ?</a:t>
+            </a:r>
+            <a:endParaRPr b="0" lang="en-US" sz="2200" spc="-1" strike="noStrike">
+              <a:latin typeface="Arial"/>
+            </a:endParaRPr>
+          </a:p>
+          <a:p>
+            <a:pPr marL="432000" indent="-322920" algn="r" rtl="1">
+              <a:lnSpc>
+                <a:spcPct val="100000"/>
+              </a:lnSpc>
+              <a:spcAft>
+                <a:spcPts val="1417"/>
+              </a:spcAft>
+              <a:buClr>
+                <a:srgbClr val="ffffff"/>
+              </a:buClr>
+              <a:buSzPct val="45000"/>
+              <a:buFont typeface="Wingdings" charset="2"/>
+              <a:buChar char=""/>
+            </a:pPr>
+            <a:r>
+              <a:rPr b="0" lang="en-US" sz="2200" spc="-1" strike="noStrike">
+                <a:solidFill>
+                  <a:srgbClr val="ffffff"/>
+                </a:solidFill>
+                <a:latin typeface="Arial"/>
+                <a:ea typeface="DejaVu Sans"/>
+              </a:rPr>
+              <a:t>תלמיד ב: אני לא יודע. בא נסתכל על הקוד.</a:t>
             </a:r>
             <a:endParaRPr b="0" lang="en-US" sz="2200" spc="-1" strike="noStrike">
               <a:latin typeface="Arial"/>
@@ -4036,7 +4095,7 @@
         <p:spPr>
           <a:xfrm>
             <a:off x="504000" y="850320"/>
-            <a:ext cx="9070920" cy="1171440"/>
+            <a:ext cx="9070560" cy="1171080"/>
           </a:xfrm>
           <a:prstGeom prst="rect">
             <a:avLst/>
@@ -4085,7 +4144,7 @@
         <p:spPr>
           <a:xfrm>
             <a:off x="504000" y="2273040"/>
-            <a:ext cx="9070920" cy="4804200"/>
+            <a:ext cx="9070560" cy="4803840"/>
           </a:xfrm>
           <a:prstGeom prst="rect">
             <a:avLst/>
@@ -4104,7 +4163,7 @@
         <p:txBody>
           <a:bodyPr lIns="0" rIns="0" tIns="0" bIns="0"/>
           <a:p>
-            <a:pPr marL="432000" indent="-323280" algn="r" rtl="1">
+            <a:pPr marL="432000" indent="-322920" algn="r" rtl="1">
               <a:lnSpc>
                 <a:spcPct val="100000"/>
               </a:lnSpc>
@@ -4133,7 +4192,7 @@
             </a:endParaRPr>
           </a:p>
           <a:p>
-            <a:pPr marL="432000" indent="-323280" algn="r" rtl="1">
+            <a:pPr marL="432000" indent="-322920" algn="r" rtl="1">
               <a:lnSpc>
                 <a:spcPct val="100000"/>
               </a:lnSpc>
@@ -4162,7 +4221,7 @@
             </a:endParaRPr>
           </a:p>
           <a:p>
-            <a:pPr marL="432000" indent="-323280" algn="r" rtl="1">
+            <a:pPr marL="432000" indent="-322920" algn="r" rtl="1">
               <a:lnSpc>
                 <a:spcPct val="100000"/>
               </a:lnSpc>
@@ -4191,7 +4250,7 @@
             </a:endParaRPr>
           </a:p>
           <a:p>
-            <a:pPr marL="432000" indent="-323280" algn="r" rtl="1">
+            <a:pPr marL="432000" indent="-322920" algn="r" rtl="1">
               <a:lnSpc>
                 <a:spcPct val="100000"/>
               </a:lnSpc>
@@ -4220,7 +4279,7 @@
             </a:endParaRPr>
           </a:p>
           <a:p>
-            <a:pPr marL="432000" indent="-323280" algn="r" rtl="1">
+            <a:pPr marL="432000" indent="-322920" algn="r" rtl="1">
               <a:lnSpc>
                 <a:spcPct val="100000"/>
               </a:lnSpc>
@@ -4249,7 +4308,7 @@
             </a:endParaRPr>
           </a:p>
           <a:p>
-            <a:pPr marL="432000" indent="-323280" algn="r" rtl="1">
+            <a:pPr marL="432000" indent="-322920" algn="r" rtl="1">
               <a:lnSpc>
                 <a:spcPct val="100000"/>
               </a:lnSpc>
@@ -4278,7 +4337,7 @@
             </a:endParaRPr>
           </a:p>
           <a:p>
-            <a:pPr marL="432000" indent="-323280" algn="r" rtl="1">
+            <a:pPr marL="432000" indent="-322920" algn="r" rtl="1">
               <a:lnSpc>
                 <a:spcPct val="100000"/>
               </a:lnSpc>
@@ -4366,7 +4425,7 @@
         <p:spPr>
           <a:xfrm>
             <a:off x="504000" y="850320"/>
-            <a:ext cx="9070920" cy="1171440"/>
+            <a:ext cx="9070560" cy="1171080"/>
           </a:xfrm>
           <a:prstGeom prst="rect">
             <a:avLst/>
@@ -4415,7 +4474,7 @@
         <p:spPr>
           <a:xfrm>
             <a:off x="504000" y="2273040"/>
-            <a:ext cx="9070920" cy="3716640"/>
+            <a:ext cx="9070560" cy="3716280"/>
           </a:xfrm>
           <a:prstGeom prst="rect">
             <a:avLst/>
@@ -4434,7 +4493,7 @@
         <p:txBody>
           <a:bodyPr lIns="0" rIns="0" tIns="0" bIns="0"/>
           <a:p>
-            <a:pPr marL="432000" indent="-323280" algn="r" rtl="1">
+            <a:pPr marL="432000" indent="-322920" algn="r" rtl="1">
               <a:lnSpc>
                 <a:spcPct val="100000"/>
               </a:lnSpc>
@@ -4463,7 +4522,7 @@
             </a:endParaRPr>
           </a:p>
           <a:p>
-            <a:pPr marL="432000" indent="-323280" algn="r" rtl="1">
+            <a:pPr marL="432000" indent="-322920" algn="r" rtl="1">
               <a:lnSpc>
                 <a:spcPct val="100000"/>
               </a:lnSpc>
@@ -4551,7 +4610,7 @@
         <p:spPr>
           <a:xfrm>
             <a:off x="504000" y="850320"/>
-            <a:ext cx="9070920" cy="1171440"/>
+            <a:ext cx="9070560" cy="1171080"/>
           </a:xfrm>
           <a:prstGeom prst="rect">
             <a:avLst/>
@@ -4600,7 +4659,7 @@
         <p:spPr>
           <a:xfrm>
             <a:off x="504000" y="2273040"/>
-            <a:ext cx="9070920" cy="3851640"/>
+            <a:ext cx="9070560" cy="3851280"/>
           </a:xfrm>
           <a:prstGeom prst="rect">
             <a:avLst/>
@@ -4632,7 +4691,7 @@
             </a:endParaRPr>
           </a:p>
           <a:p>
-            <a:pPr marL="432000" indent="-323280" algn="r" rtl="1">
+            <a:pPr marL="432000" indent="-322920" algn="r" rtl="1">
               <a:lnSpc>
                 <a:spcPct val="100000"/>
               </a:lnSpc>
@@ -4661,7 +4720,7 @@
             </a:endParaRPr>
           </a:p>
           <a:p>
-            <a:pPr marL="432000" indent="-323280" rtl="1">
+            <a:pPr marL="432000" indent="-322920" rtl="1">
               <a:lnSpc>
                 <a:spcPct val="100000"/>
               </a:lnSpc>
@@ -4701,7 +4760,7 @@
             </a:endParaRPr>
           </a:p>
           <a:p>
-            <a:pPr marL="432000" indent="-323280" algn="r" rtl="1">
+            <a:pPr marL="432000" indent="-322920" algn="r" rtl="1">
               <a:lnSpc>
                 <a:spcPct val="100000"/>
               </a:lnSpc>
@@ -4750,7 +4809,7 @@
             </a:endParaRPr>
           </a:p>
           <a:p>
-            <a:pPr marL="432000" indent="-323280" algn="r" rtl="1">
+            <a:pPr marL="432000" indent="-322920" algn="r" rtl="1">
               <a:lnSpc>
                 <a:spcPct val="100000"/>
               </a:lnSpc>
@@ -4838,7 +4897,7 @@
         <p:spPr>
           <a:xfrm>
             <a:off x="504000" y="850320"/>
-            <a:ext cx="9070920" cy="1171440"/>
+            <a:ext cx="9070560" cy="1171080"/>
           </a:xfrm>
           <a:prstGeom prst="rect">
             <a:avLst/>
@@ -4887,7 +4946,7 @@
         <p:spPr>
           <a:xfrm>
             <a:off x="504000" y="2273040"/>
-            <a:ext cx="9070920" cy="4624200"/>
+            <a:ext cx="9070560" cy="4623840"/>
           </a:xfrm>
           <a:prstGeom prst="rect">
             <a:avLst/>
@@ -4906,7 +4965,7 @@
         <p:txBody>
           <a:bodyPr lIns="0" rIns="0" tIns="0" bIns="0"/>
           <a:p>
-            <a:pPr marL="432000" indent="-323280" algn="r" rtl="1">
+            <a:pPr marL="432000" indent="-322920" algn="r" rtl="1">
               <a:lnSpc>
                 <a:spcPct val="100000"/>
               </a:lnSpc>
@@ -4935,7 +4994,7 @@
             </a:endParaRPr>
           </a:p>
           <a:p>
-            <a:pPr marL="432000" indent="-323280" algn="r" rtl="1">
+            <a:pPr marL="432000" indent="-322920" algn="r" rtl="1">
               <a:lnSpc>
                 <a:spcPct val="100000"/>
               </a:lnSpc>
@@ -4964,7 +5023,7 @@
             </a:endParaRPr>
           </a:p>
           <a:p>
-            <a:pPr lvl="1" marL="432000" indent="-216000" algn="r" rtl="1">
+            <a:pPr lvl="1" marL="432000" indent="-215640" algn="r" rtl="1">
               <a:lnSpc>
                 <a:spcPct val="100000"/>
               </a:lnSpc>
@@ -4993,7 +5052,7 @@
             </a:endParaRPr>
           </a:p>
           <a:p>
-            <a:pPr marL="432000" indent="-323280" algn="r" rtl="1">
+            <a:pPr marL="432000" indent="-322920" algn="r" rtl="1">
               <a:lnSpc>
                 <a:spcPct val="100000"/>
               </a:lnSpc>
@@ -5022,7 +5081,7 @@
             </a:endParaRPr>
           </a:p>
           <a:p>
-            <a:pPr marL="432000" indent="-323280" algn="r" rtl="1">
+            <a:pPr marL="432000" indent="-322920" algn="r" rtl="1">
               <a:lnSpc>
                 <a:spcPct val="100000"/>
               </a:lnSpc>
@@ -5082,7 +5141,7 @@
             </a:endParaRPr>
           </a:p>
           <a:p>
-            <a:pPr marL="432000" indent="-323280" algn="r" rtl="1">
+            <a:pPr marL="432000" indent="-322920" algn="r" rtl="1">
               <a:lnSpc>
                 <a:spcPct val="100000"/>
               </a:lnSpc>
@@ -5180,7 +5239,7 @@
         <p:spPr>
           <a:xfrm>
             <a:off x="504000" y="850320"/>
-            <a:ext cx="9070920" cy="1171440"/>
+            <a:ext cx="9070560" cy="1171080"/>
           </a:xfrm>
           <a:prstGeom prst="rect">
             <a:avLst/>
@@ -5229,7 +5288,7 @@
         <p:spPr>
           <a:xfrm>
             <a:off x="504000" y="2273040"/>
-            <a:ext cx="9070920" cy="4784040"/>
+            <a:ext cx="9070560" cy="4783680"/>
           </a:xfrm>
           <a:prstGeom prst="rect">
             <a:avLst/>
@@ -5248,7 +5307,7 @@
         <p:txBody>
           <a:bodyPr lIns="0" rIns="0" tIns="0" bIns="0"/>
           <a:p>
-            <a:pPr marL="432000" indent="-323280" algn="r" rtl="1">
+            <a:pPr marL="432000" indent="-322920" algn="r" rtl="1">
               <a:lnSpc>
                 <a:spcPct val="100000"/>
               </a:lnSpc>
@@ -5277,7 +5336,7 @@
             </a:endParaRPr>
           </a:p>
           <a:p>
-            <a:pPr marL="432000" indent="-323280" algn="r" rtl="1">
+            <a:pPr marL="432000" indent="-322920" algn="r" rtl="1">
               <a:lnSpc>
                 <a:spcPct val="100000"/>
               </a:lnSpc>
@@ -5306,7 +5365,7 @@
             </a:endParaRPr>
           </a:p>
           <a:p>
-            <a:pPr marL="432000" indent="-323280" algn="r" rtl="1">
+            <a:pPr marL="432000" indent="-322920" algn="r" rtl="1">
               <a:lnSpc>
                 <a:spcPct val="100000"/>
               </a:lnSpc>
@@ -5335,7 +5394,7 @@
             </a:endParaRPr>
           </a:p>
           <a:p>
-            <a:pPr marL="432000" indent="-323280" algn="r" rtl="1">
+            <a:pPr marL="432000" indent="-322920" algn="r" rtl="1">
               <a:lnSpc>
                 <a:spcPct val="100000"/>
               </a:lnSpc>
@@ -5364,7 +5423,7 @@
             </a:endParaRPr>
           </a:p>
           <a:p>
-            <a:pPr marL="432000" indent="-323280" algn="r" rtl="1">
+            <a:pPr marL="432000" indent="-322920" algn="r" rtl="1">
               <a:lnSpc>
                 <a:spcPct val="100000"/>
               </a:lnSpc>
@@ -5393,7 +5452,7 @@
             </a:endParaRPr>
           </a:p>
           <a:p>
-            <a:pPr marL="432000" indent="-323280" algn="r" rtl="1">
+            <a:pPr marL="432000" indent="-322920" algn="r" rtl="1">
               <a:lnSpc>
                 <a:spcPct val="100000"/>
               </a:lnSpc>
@@ -5432,7 +5491,7 @@
             </a:endParaRPr>
           </a:p>
           <a:p>
-            <a:pPr marL="432000" indent="-323280" algn="r" rtl="1">
+            <a:pPr marL="432000" indent="-322920" algn="r" rtl="1">
               <a:lnSpc>
                 <a:spcPct val="100000"/>
               </a:lnSpc>
@@ -5520,7 +5579,7 @@
         <p:spPr>
           <a:xfrm>
             <a:off x="504000" y="850320"/>
-            <a:ext cx="9070920" cy="1171440"/>
+            <a:ext cx="9070560" cy="1171080"/>
           </a:xfrm>
           <a:prstGeom prst="rect">
             <a:avLst/>
@@ -5569,7 +5628,7 @@
         <p:spPr>
           <a:xfrm>
             <a:off x="529560" y="2286000"/>
-            <a:ext cx="9070920" cy="4799880"/>
+            <a:ext cx="9070560" cy="4799520"/>
           </a:xfrm>
           <a:prstGeom prst="rect">
             <a:avLst/>
@@ -5588,7 +5647,7 @@
         <p:txBody>
           <a:bodyPr lIns="0" rIns="0" tIns="0" bIns="0"/>
           <a:p>
-            <a:pPr marL="432000" indent="-323280" algn="r" rtl="1">
+            <a:pPr marL="432000" indent="-322920" algn="r" rtl="1">
               <a:lnSpc>
                 <a:spcPct val="100000"/>
               </a:lnSpc>
@@ -5617,7 +5676,7 @@
             </a:endParaRPr>
           </a:p>
           <a:p>
-            <a:pPr lvl="1" marL="864000" indent="-323280" algn="r" rtl="1">
+            <a:pPr lvl="1" marL="864000" indent="-322920" algn="r" rtl="1">
               <a:lnSpc>
                 <a:spcPct val="100000"/>
               </a:lnSpc>
@@ -5656,7 +5715,7 @@
             </a:endParaRPr>
           </a:p>
           <a:p>
-            <a:pPr lvl="1" marL="864000" indent="-323280" algn="r" rtl="1">
+            <a:pPr lvl="1" marL="864000" indent="-322920" algn="r" rtl="1">
               <a:lnSpc>
                 <a:spcPct val="100000"/>
               </a:lnSpc>
@@ -5705,7 +5764,7 @@
             </a:endParaRPr>
           </a:p>
           <a:p>
-            <a:pPr marL="432000" indent="-323280" algn="r" rtl="1">
+            <a:pPr marL="432000" indent="-322920" algn="r" rtl="1">
               <a:lnSpc>
                 <a:spcPct val="100000"/>
               </a:lnSpc>
@@ -5734,7 +5793,7 @@
             </a:endParaRPr>
           </a:p>
           <a:p>
-            <a:pPr marL="432000" indent="-323280" algn="r" rtl="1">
+            <a:pPr marL="432000" indent="-322920" algn="r" rtl="1">
               <a:lnSpc>
                 <a:spcPct val="100000"/>
               </a:lnSpc>
@@ -5763,7 +5822,7 @@
             </a:endParaRPr>
           </a:p>
           <a:p>
-            <a:pPr marL="432000" indent="-323280" algn="r" rtl="1">
+            <a:pPr marL="432000" indent="-322920" algn="r" rtl="1">
               <a:lnSpc>
                 <a:spcPct val="100000"/>
               </a:lnSpc>
@@ -5792,7 +5851,7 @@
             </a:endParaRPr>
           </a:p>
           <a:p>
-            <a:pPr marL="432000" indent="-323280" algn="r" rtl="1">
+            <a:pPr marL="432000" indent="-322920" algn="r" rtl="1">
               <a:lnSpc>
                 <a:spcPct val="100000"/>
               </a:lnSpc>
@@ -5880,7 +5939,7 @@
         <p:spPr>
           <a:xfrm>
             <a:off x="504000" y="850320"/>
-            <a:ext cx="9070920" cy="1171440"/>
+            <a:ext cx="9070560" cy="1171080"/>
           </a:xfrm>
           <a:prstGeom prst="rect">
             <a:avLst/>
@@ -5929,7 +5988,7 @@
         <p:spPr>
           <a:xfrm>
             <a:off x="504000" y="2273040"/>
-            <a:ext cx="9070920" cy="4804200"/>
+            <a:ext cx="9070560" cy="4803840"/>
           </a:xfrm>
           <a:prstGeom prst="rect">
             <a:avLst/>
@@ -5948,7 +6007,7 @@
         <p:txBody>
           <a:bodyPr lIns="0" rIns="0" tIns="0" bIns="0"/>
           <a:p>
-            <a:pPr marL="432000" indent="-323280" algn="r" rtl="1">
+            <a:pPr marL="432000" indent="-322920" algn="r" rtl="1">
               <a:lnSpc>
                 <a:spcPct val="100000"/>
               </a:lnSpc>
@@ -5977,7 +6036,7 @@
             </a:endParaRPr>
           </a:p>
           <a:p>
-            <a:pPr marL="432000" indent="-323280" algn="r" rtl="1">
+            <a:pPr marL="432000" indent="-322920" algn="r" rtl="1">
               <a:lnSpc>
                 <a:spcPct val="100000"/>
               </a:lnSpc>
@@ -6006,7 +6065,7 @@
             </a:endParaRPr>
           </a:p>
           <a:p>
-            <a:pPr marL="432000" indent="-323280" algn="r" rtl="1">
+            <a:pPr marL="432000" indent="-322920" algn="r" rtl="1">
               <a:lnSpc>
                 <a:spcPct val="100000"/>
               </a:lnSpc>
@@ -6035,7 +6094,7 @@
             </a:endParaRPr>
           </a:p>
           <a:p>
-            <a:pPr marL="432000" indent="-323280" algn="r" rtl="1">
+            <a:pPr marL="432000" indent="-322920" algn="r" rtl="1">
               <a:lnSpc>
                 <a:spcPct val="100000"/>
               </a:lnSpc>
@@ -6064,7 +6123,7 @@
             </a:endParaRPr>
           </a:p>
           <a:p>
-            <a:pPr marL="432000" indent="-323280" algn="r" rtl="1">
+            <a:pPr marL="432000" indent="-322920" algn="r" rtl="1">
               <a:lnSpc>
                 <a:spcPct val="100000"/>
               </a:lnSpc>
@@ -6113,7 +6172,7 @@
             </a:endParaRPr>
           </a:p>
           <a:p>
-            <a:pPr marL="432000" indent="-323280" algn="r" rtl="1">
+            <a:pPr marL="432000" indent="-322920" algn="r" rtl="1">
               <a:lnSpc>
                 <a:spcPct val="100000"/>
               </a:lnSpc>
@@ -6142,7 +6201,7 @@
             </a:endParaRPr>
           </a:p>
           <a:p>
-            <a:pPr marL="432000" indent="-323280" algn="r" rtl="1">
+            <a:pPr marL="432000" indent="-322920" algn="r" rtl="1">
               <a:lnSpc>
                 <a:spcPct val="100000"/>
               </a:lnSpc>
@@ -6230,7 +6289,7 @@
         <p:spPr>
           <a:xfrm>
             <a:off x="504000" y="850320"/>
-            <a:ext cx="9070920" cy="1171440"/>
+            <a:ext cx="9070560" cy="1171080"/>
           </a:xfrm>
           <a:prstGeom prst="rect">
             <a:avLst/>
@@ -6279,7 +6338,7 @@
         <p:spPr>
           <a:xfrm>
             <a:off x="504000" y="2273040"/>
-            <a:ext cx="9070920" cy="3716640"/>
+            <a:ext cx="9070560" cy="3716280"/>
           </a:xfrm>
           <a:prstGeom prst="rect">
             <a:avLst/>
@@ -6298,7 +6357,7 @@
         <p:txBody>
           <a:bodyPr lIns="0" rIns="0" tIns="0" bIns="0"/>
           <a:p>
-            <a:pPr marL="432000" indent="-323280" algn="r" rtl="1">
+            <a:pPr marL="432000" indent="-322920" algn="r" rtl="1">
               <a:lnSpc>
                 <a:spcPct val="100000"/>
               </a:lnSpc>
@@ -6327,7 +6386,7 @@
             </a:endParaRPr>
           </a:p>
           <a:p>
-            <a:pPr lvl="1" marL="864000" indent="-323280" algn="r" rtl="1">
+            <a:pPr lvl="1" marL="864000" indent="-322920" algn="r" rtl="1">
               <a:lnSpc>
                 <a:spcPct val="100000"/>
               </a:lnSpc>
@@ -6356,7 +6415,7 @@
             </a:endParaRPr>
           </a:p>
           <a:p>
-            <a:pPr marL="432000" indent="-323280" algn="r" rtl="1">
+            <a:pPr marL="432000" indent="-322920" algn="r" rtl="1">
               <a:lnSpc>
                 <a:spcPct val="100000"/>
               </a:lnSpc>
@@ -6385,7 +6444,7 @@
             </a:endParaRPr>
           </a:p>
           <a:p>
-            <a:pPr marL="432000" indent="-323280" algn="r" rtl="1">
+            <a:pPr marL="432000" indent="-322920" algn="r" rtl="1">
               <a:lnSpc>
                 <a:spcPct val="100000"/>
               </a:lnSpc>
@@ -6414,7 +6473,7 @@
             </a:endParaRPr>
           </a:p>
           <a:p>
-            <a:pPr marL="432000" indent="-323280" algn="r" rtl="1">
+            <a:pPr marL="432000" indent="-322920" algn="r" rtl="1">
               <a:lnSpc>
                 <a:spcPct val="100000"/>
               </a:lnSpc>
